--- a/ImPyClass.pptx
+++ b/ImPyClass.pptx
@@ -11,7 +11,9 @@
     <p:sldId id="259" r:id="rId5"/>
     <p:sldId id="261" r:id="rId6"/>
     <p:sldId id="262" r:id="rId7"/>
-    <p:sldId id="260" r:id="rId8"/>
+    <p:sldId id="263" r:id="rId8"/>
+    <p:sldId id="260" r:id="rId9"/>
+    <p:sldId id="264" r:id="rId10"/>
   </p:sldIdLst>
   <p:sldSz cx="12192000" cy="6858000"/>
   <p:notesSz cx="6858000" cy="9144000"/>
@@ -110,6 +112,11 @@
       </a:defRPr>
     </a:lvl9pPr>
   </p:defaultTextStyle>
+  <p:extLst>
+    <p:ext uri="{EFAFB233-063F-42B5-8137-9DF3F51BA10A}">
+      <p15:sldGuideLst xmlns:p15="http://schemas.microsoft.com/office/powerpoint/2012/main"/>
+    </p:ext>
+  </p:extLst>
 </p:presentation>
 </file>
 
@@ -244,7 +251,7 @@
           <a:p>
             <a:fld id="{9D3D9F2D-411E-A44B-99E5-D63692ECF28E}" type="datetimeFigureOut">
               <a:rPr lang="en-US" smtClean="0"/>
-              <a:t>11/29/18</a:t>
+              <a:t>12/13/18</a:t>
             </a:fld>
             <a:endParaRPr lang="en-US"/>
           </a:p>
@@ -414,7 +421,7 @@
           <a:p>
             <a:fld id="{9D3D9F2D-411E-A44B-99E5-D63692ECF28E}" type="datetimeFigureOut">
               <a:rPr lang="en-US" smtClean="0"/>
-              <a:t>11/29/18</a:t>
+              <a:t>12/13/18</a:t>
             </a:fld>
             <a:endParaRPr lang="en-US"/>
           </a:p>
@@ -594,7 +601,7 @@
           <a:p>
             <a:fld id="{9D3D9F2D-411E-A44B-99E5-D63692ECF28E}" type="datetimeFigureOut">
               <a:rPr lang="en-US" smtClean="0"/>
-              <a:t>11/29/18</a:t>
+              <a:t>12/13/18</a:t>
             </a:fld>
             <a:endParaRPr lang="en-US"/>
           </a:p>
@@ -764,7 +771,7 @@
           <a:p>
             <a:fld id="{9D3D9F2D-411E-A44B-99E5-D63692ECF28E}" type="datetimeFigureOut">
               <a:rPr lang="en-US" smtClean="0"/>
-              <a:t>11/29/18</a:t>
+              <a:t>12/13/18</a:t>
             </a:fld>
             <a:endParaRPr lang="en-US"/>
           </a:p>
@@ -1010,7 +1017,7 @@
           <a:p>
             <a:fld id="{9D3D9F2D-411E-A44B-99E5-D63692ECF28E}" type="datetimeFigureOut">
               <a:rPr lang="en-US" smtClean="0"/>
-              <a:t>11/29/18</a:t>
+              <a:t>12/13/18</a:t>
             </a:fld>
             <a:endParaRPr lang="en-US"/>
           </a:p>
@@ -1242,7 +1249,7 @@
           <a:p>
             <a:fld id="{9D3D9F2D-411E-A44B-99E5-D63692ECF28E}" type="datetimeFigureOut">
               <a:rPr lang="en-US" smtClean="0"/>
-              <a:t>11/29/18</a:t>
+              <a:t>12/13/18</a:t>
             </a:fld>
             <a:endParaRPr lang="en-US"/>
           </a:p>
@@ -1609,7 +1616,7 @@
           <a:p>
             <a:fld id="{9D3D9F2D-411E-A44B-99E5-D63692ECF28E}" type="datetimeFigureOut">
               <a:rPr lang="en-US" smtClean="0"/>
-              <a:t>11/29/18</a:t>
+              <a:t>12/13/18</a:t>
             </a:fld>
             <a:endParaRPr lang="en-US"/>
           </a:p>
@@ -1727,7 +1734,7 @@
           <a:p>
             <a:fld id="{9D3D9F2D-411E-A44B-99E5-D63692ECF28E}" type="datetimeFigureOut">
               <a:rPr lang="en-US" smtClean="0"/>
-              <a:t>11/29/18</a:t>
+              <a:t>12/13/18</a:t>
             </a:fld>
             <a:endParaRPr lang="en-US"/>
           </a:p>
@@ -1822,7 +1829,7 @@
           <a:p>
             <a:fld id="{9D3D9F2D-411E-A44B-99E5-D63692ECF28E}" type="datetimeFigureOut">
               <a:rPr lang="en-US" smtClean="0"/>
-              <a:t>11/29/18</a:t>
+              <a:t>12/13/18</a:t>
             </a:fld>
             <a:endParaRPr lang="en-US"/>
           </a:p>
@@ -2099,7 +2106,7 @@
           <a:p>
             <a:fld id="{9D3D9F2D-411E-A44B-99E5-D63692ECF28E}" type="datetimeFigureOut">
               <a:rPr lang="en-US" smtClean="0"/>
-              <a:t>11/29/18</a:t>
+              <a:t>12/13/18</a:t>
             </a:fld>
             <a:endParaRPr lang="en-US"/>
           </a:p>
@@ -2356,7 +2363,7 @@
           <a:p>
             <a:fld id="{9D3D9F2D-411E-A44B-99E5-D63692ECF28E}" type="datetimeFigureOut">
               <a:rPr lang="en-US" smtClean="0"/>
-              <a:t>11/29/18</a:t>
+              <a:t>12/13/18</a:t>
             </a:fld>
             <a:endParaRPr lang="en-US"/>
           </a:p>
@@ -2569,7 +2576,7 @@
           <a:p>
             <a:fld id="{9D3D9F2D-411E-A44B-99E5-D63692ECF28E}" type="datetimeFigureOut">
               <a:rPr lang="en-US" smtClean="0"/>
-              <a:t>11/29/18</a:t>
+              <a:t>12/13/18</a:t>
             </a:fld>
             <a:endParaRPr lang="en-US"/>
           </a:p>
@@ -16250,6 +16257,3504 @@
           <a:chExt cx="0" cy="0"/>
         </a:xfrm>
       </p:grpSpPr>
+      <p:grpSp>
+        <p:nvGrpSpPr>
+          <p:cNvPr id="6" name="Group 5">
+            <a:extLst>
+              <a:ext uri="{FF2B5EF4-FFF2-40B4-BE49-F238E27FC236}">
+                <a16:creationId xmlns:a16="http://schemas.microsoft.com/office/drawing/2014/main" id="{6150D657-1F93-CC4D-B3AF-82532F61588D}"/>
+              </a:ext>
+            </a:extLst>
+          </p:cNvPr>
+          <p:cNvGrpSpPr/>
+          <p:nvPr/>
+        </p:nvGrpSpPr>
+        <p:grpSpPr>
+          <a:xfrm>
+            <a:off x="3877112" y="2311637"/>
+            <a:ext cx="2194560" cy="1463040"/>
+            <a:chOff x="7061200" y="2136914"/>
+            <a:chExt cx="2194560" cy="1463040"/>
+          </a:xfrm>
+        </p:grpSpPr>
+        <p:grpSp>
+          <p:nvGrpSpPr>
+            <p:cNvPr id="27" name="Group 26">
+              <a:extLst>
+                <a:ext uri="{FF2B5EF4-FFF2-40B4-BE49-F238E27FC236}">
+                  <a16:creationId xmlns:a16="http://schemas.microsoft.com/office/drawing/2014/main" id="{427AFD6B-4AF1-7649-8DE3-5ABD236759DB}"/>
+                </a:ext>
+              </a:extLst>
+            </p:cNvPr>
+            <p:cNvGrpSpPr/>
+            <p:nvPr/>
+          </p:nvGrpSpPr>
+          <p:grpSpPr>
+            <a:xfrm>
+              <a:off x="7061200" y="2136914"/>
+              <a:ext cx="2194560" cy="1463040"/>
+              <a:chOff x="5811520" y="3488194"/>
+              <a:chExt cx="2194560" cy="1463040"/>
+            </a:xfrm>
+          </p:grpSpPr>
+          <p:sp>
+            <p:nvSpPr>
+              <p:cNvPr id="28" name="Rectangle 27">
+                <a:extLst>
+                  <a:ext uri="{FF2B5EF4-FFF2-40B4-BE49-F238E27FC236}">
+                    <a16:creationId xmlns:a16="http://schemas.microsoft.com/office/drawing/2014/main" id="{F7D9FBED-0A5F-D941-BB8F-AF80089ACD88}"/>
+                  </a:ext>
+                </a:extLst>
+              </p:cNvPr>
+              <p:cNvSpPr/>
+              <p:nvPr/>
+            </p:nvSpPr>
+            <p:spPr>
+              <a:xfrm>
+                <a:off x="5811520" y="3488194"/>
+                <a:ext cx="731520" cy="731520"/>
+              </a:xfrm>
+              <a:prstGeom prst="rect">
+                <a:avLst/>
+              </a:prstGeom>
+              <a:noFill/>
+              <a:ln w="38100">
+                <a:solidFill>
+                  <a:schemeClr val="tx1"/>
+                </a:solidFill>
+              </a:ln>
+            </p:spPr>
+            <p:style>
+              <a:lnRef idx="2">
+                <a:schemeClr val="accent1">
+                  <a:shade val="50000"/>
+                </a:schemeClr>
+              </a:lnRef>
+              <a:fillRef idx="1">
+                <a:schemeClr val="accent1"/>
+              </a:fillRef>
+              <a:effectRef idx="0">
+                <a:schemeClr val="accent1"/>
+              </a:effectRef>
+              <a:fontRef idx="minor">
+                <a:schemeClr val="lt1"/>
+              </a:fontRef>
+            </p:style>
+            <p:txBody>
+              <a:bodyPr rtlCol="0" anchor="ctr"/>
+              <a:lstStyle/>
+              <a:p>
+                <a:pPr algn="ctr"/>
+                <a:endParaRPr lang="en-US"/>
+              </a:p>
+            </p:txBody>
+          </p:sp>
+          <p:sp>
+            <p:nvSpPr>
+              <p:cNvPr id="29" name="Rectangle 28">
+                <a:extLst>
+                  <a:ext uri="{FF2B5EF4-FFF2-40B4-BE49-F238E27FC236}">
+                    <a16:creationId xmlns:a16="http://schemas.microsoft.com/office/drawing/2014/main" id="{99FACEAC-0C72-DC4D-A4D3-F01D409E587D}"/>
+                  </a:ext>
+                </a:extLst>
+              </p:cNvPr>
+              <p:cNvSpPr/>
+              <p:nvPr/>
+            </p:nvSpPr>
+            <p:spPr>
+              <a:xfrm>
+                <a:off x="6543040" y="3488194"/>
+                <a:ext cx="731520" cy="731520"/>
+              </a:xfrm>
+              <a:prstGeom prst="rect">
+                <a:avLst/>
+              </a:prstGeom>
+              <a:noFill/>
+              <a:ln w="38100">
+                <a:solidFill>
+                  <a:schemeClr val="tx1"/>
+                </a:solidFill>
+              </a:ln>
+            </p:spPr>
+            <p:style>
+              <a:lnRef idx="2">
+                <a:schemeClr val="accent1">
+                  <a:shade val="50000"/>
+                </a:schemeClr>
+              </a:lnRef>
+              <a:fillRef idx="1">
+                <a:schemeClr val="accent1"/>
+              </a:fillRef>
+              <a:effectRef idx="0">
+                <a:schemeClr val="accent1"/>
+              </a:effectRef>
+              <a:fontRef idx="minor">
+                <a:schemeClr val="lt1"/>
+              </a:fontRef>
+            </p:style>
+            <p:txBody>
+              <a:bodyPr rtlCol="0" anchor="ctr"/>
+              <a:lstStyle/>
+              <a:p>
+                <a:pPr algn="ctr"/>
+                <a:endParaRPr lang="en-US"/>
+              </a:p>
+            </p:txBody>
+          </p:sp>
+          <p:sp>
+            <p:nvSpPr>
+              <p:cNvPr id="30" name="Rectangle 29">
+                <a:extLst>
+                  <a:ext uri="{FF2B5EF4-FFF2-40B4-BE49-F238E27FC236}">
+                    <a16:creationId xmlns:a16="http://schemas.microsoft.com/office/drawing/2014/main" id="{1058CA11-34D3-6545-A8FB-4526D567C24A}"/>
+                  </a:ext>
+                </a:extLst>
+              </p:cNvPr>
+              <p:cNvSpPr/>
+              <p:nvPr/>
+            </p:nvSpPr>
+            <p:spPr>
+              <a:xfrm>
+                <a:off x="7274560" y="3488194"/>
+                <a:ext cx="731520" cy="731520"/>
+              </a:xfrm>
+              <a:prstGeom prst="rect">
+                <a:avLst/>
+              </a:prstGeom>
+              <a:noFill/>
+              <a:ln w="38100">
+                <a:solidFill>
+                  <a:schemeClr val="tx1"/>
+                </a:solidFill>
+              </a:ln>
+            </p:spPr>
+            <p:style>
+              <a:lnRef idx="2">
+                <a:schemeClr val="accent1">
+                  <a:shade val="50000"/>
+                </a:schemeClr>
+              </a:lnRef>
+              <a:fillRef idx="1">
+                <a:schemeClr val="accent1"/>
+              </a:fillRef>
+              <a:effectRef idx="0">
+                <a:schemeClr val="accent1"/>
+              </a:effectRef>
+              <a:fontRef idx="minor">
+                <a:schemeClr val="lt1"/>
+              </a:fontRef>
+            </p:style>
+            <p:txBody>
+              <a:bodyPr rtlCol="0" anchor="ctr"/>
+              <a:lstStyle/>
+              <a:p>
+                <a:pPr algn="ctr"/>
+                <a:endParaRPr lang="en-US"/>
+              </a:p>
+            </p:txBody>
+          </p:sp>
+          <p:sp>
+            <p:nvSpPr>
+              <p:cNvPr id="31" name="Rectangle 30">
+                <a:extLst>
+                  <a:ext uri="{FF2B5EF4-FFF2-40B4-BE49-F238E27FC236}">
+                    <a16:creationId xmlns:a16="http://schemas.microsoft.com/office/drawing/2014/main" id="{27FA279C-19BF-C64D-9D1D-69E01972D16E}"/>
+                  </a:ext>
+                </a:extLst>
+              </p:cNvPr>
+              <p:cNvSpPr/>
+              <p:nvPr/>
+            </p:nvSpPr>
+            <p:spPr>
+              <a:xfrm>
+                <a:off x="5811520" y="4219714"/>
+                <a:ext cx="731520" cy="731520"/>
+              </a:xfrm>
+              <a:prstGeom prst="rect">
+                <a:avLst/>
+              </a:prstGeom>
+              <a:noFill/>
+              <a:ln w="38100">
+                <a:solidFill>
+                  <a:schemeClr val="tx1"/>
+                </a:solidFill>
+              </a:ln>
+            </p:spPr>
+            <p:style>
+              <a:lnRef idx="2">
+                <a:schemeClr val="accent1">
+                  <a:shade val="50000"/>
+                </a:schemeClr>
+              </a:lnRef>
+              <a:fillRef idx="1">
+                <a:schemeClr val="accent1"/>
+              </a:fillRef>
+              <a:effectRef idx="0">
+                <a:schemeClr val="accent1"/>
+              </a:effectRef>
+              <a:fontRef idx="minor">
+                <a:schemeClr val="lt1"/>
+              </a:fontRef>
+            </p:style>
+            <p:txBody>
+              <a:bodyPr rtlCol="0" anchor="ctr"/>
+              <a:lstStyle/>
+              <a:p>
+                <a:pPr algn="ctr"/>
+                <a:endParaRPr lang="en-US"/>
+              </a:p>
+            </p:txBody>
+          </p:sp>
+          <p:sp>
+            <p:nvSpPr>
+              <p:cNvPr id="32" name="Rectangle 31">
+                <a:extLst>
+                  <a:ext uri="{FF2B5EF4-FFF2-40B4-BE49-F238E27FC236}">
+                    <a16:creationId xmlns:a16="http://schemas.microsoft.com/office/drawing/2014/main" id="{3C6F989C-0D3A-2345-B2EF-DB23A5822381}"/>
+                  </a:ext>
+                </a:extLst>
+              </p:cNvPr>
+              <p:cNvSpPr/>
+              <p:nvPr/>
+            </p:nvSpPr>
+            <p:spPr>
+              <a:xfrm>
+                <a:off x="6543040" y="4219714"/>
+                <a:ext cx="731520" cy="731520"/>
+              </a:xfrm>
+              <a:prstGeom prst="rect">
+                <a:avLst/>
+              </a:prstGeom>
+              <a:noFill/>
+              <a:ln w="38100">
+                <a:solidFill>
+                  <a:schemeClr val="tx1"/>
+                </a:solidFill>
+              </a:ln>
+            </p:spPr>
+            <p:style>
+              <a:lnRef idx="2">
+                <a:schemeClr val="accent1">
+                  <a:shade val="50000"/>
+                </a:schemeClr>
+              </a:lnRef>
+              <a:fillRef idx="1">
+                <a:schemeClr val="accent1"/>
+              </a:fillRef>
+              <a:effectRef idx="0">
+                <a:schemeClr val="accent1"/>
+              </a:effectRef>
+              <a:fontRef idx="minor">
+                <a:schemeClr val="lt1"/>
+              </a:fontRef>
+            </p:style>
+            <p:txBody>
+              <a:bodyPr rtlCol="0" anchor="ctr"/>
+              <a:lstStyle/>
+              <a:p>
+                <a:pPr algn="ctr"/>
+                <a:endParaRPr lang="en-US"/>
+              </a:p>
+            </p:txBody>
+          </p:sp>
+          <p:sp>
+            <p:nvSpPr>
+              <p:cNvPr id="33" name="Rectangle 32">
+                <a:extLst>
+                  <a:ext uri="{FF2B5EF4-FFF2-40B4-BE49-F238E27FC236}">
+                    <a16:creationId xmlns:a16="http://schemas.microsoft.com/office/drawing/2014/main" id="{EA0DD748-A3F5-A44E-904D-F4CD98D013A0}"/>
+                  </a:ext>
+                </a:extLst>
+              </p:cNvPr>
+              <p:cNvSpPr/>
+              <p:nvPr/>
+            </p:nvSpPr>
+            <p:spPr>
+              <a:xfrm>
+                <a:off x="7274560" y="4219714"/>
+                <a:ext cx="731520" cy="731520"/>
+              </a:xfrm>
+              <a:prstGeom prst="rect">
+                <a:avLst/>
+              </a:prstGeom>
+              <a:noFill/>
+              <a:ln w="38100">
+                <a:solidFill>
+                  <a:schemeClr val="tx1"/>
+                </a:solidFill>
+              </a:ln>
+            </p:spPr>
+            <p:style>
+              <a:lnRef idx="2">
+                <a:schemeClr val="accent1">
+                  <a:shade val="50000"/>
+                </a:schemeClr>
+              </a:lnRef>
+              <a:fillRef idx="1">
+                <a:schemeClr val="accent1"/>
+              </a:fillRef>
+              <a:effectRef idx="0">
+                <a:schemeClr val="accent1"/>
+              </a:effectRef>
+              <a:fontRef idx="minor">
+                <a:schemeClr val="lt1"/>
+              </a:fontRef>
+            </p:style>
+            <p:txBody>
+              <a:bodyPr rtlCol="0" anchor="ctr"/>
+              <a:lstStyle/>
+              <a:p>
+                <a:pPr algn="ctr"/>
+                <a:endParaRPr lang="en-US"/>
+              </a:p>
+            </p:txBody>
+          </p:sp>
+        </p:grpSp>
+        <p:sp>
+          <p:nvSpPr>
+            <p:cNvPr id="34" name="TextBox 33">
+              <a:extLst>
+                <a:ext uri="{FF2B5EF4-FFF2-40B4-BE49-F238E27FC236}">
+                  <a16:creationId xmlns:a16="http://schemas.microsoft.com/office/drawing/2014/main" id="{5AF43064-EFBD-FA46-AC9F-0054D3B1A989}"/>
+                </a:ext>
+              </a:extLst>
+            </p:cNvPr>
+            <p:cNvSpPr txBox="1"/>
+            <p:nvPr/>
+          </p:nvSpPr>
+          <p:spPr>
+            <a:xfrm>
+              <a:off x="7217608" y="2192461"/>
+              <a:ext cx="418704" cy="646331"/>
+            </a:xfrm>
+            <a:prstGeom prst="rect">
+              <a:avLst/>
+            </a:prstGeom>
+            <a:noFill/>
+          </p:spPr>
+          <p:txBody>
+            <a:bodyPr wrap="none" rtlCol="0">
+              <a:spAutoFit/>
+            </a:bodyPr>
+            <a:lstStyle/>
+            <a:p>
+              <a:r>
+                <a:rPr lang="en-US" sz="3600" dirty="0"/>
+                <a:t>4</a:t>
+              </a:r>
+            </a:p>
+          </p:txBody>
+        </p:sp>
+        <p:sp>
+          <p:nvSpPr>
+            <p:cNvPr id="35" name="TextBox 34">
+              <a:extLst>
+                <a:ext uri="{FF2B5EF4-FFF2-40B4-BE49-F238E27FC236}">
+                  <a16:creationId xmlns:a16="http://schemas.microsoft.com/office/drawing/2014/main" id="{753B1ECD-678E-074C-B875-CFF3B4CC73D2}"/>
+                </a:ext>
+              </a:extLst>
+            </p:cNvPr>
+            <p:cNvSpPr txBox="1"/>
+            <p:nvPr/>
+          </p:nvSpPr>
+          <p:spPr>
+            <a:xfrm>
+              <a:off x="7949128" y="2192461"/>
+              <a:ext cx="418704" cy="646331"/>
+            </a:xfrm>
+            <a:prstGeom prst="rect">
+              <a:avLst/>
+            </a:prstGeom>
+            <a:noFill/>
+          </p:spPr>
+          <p:txBody>
+            <a:bodyPr wrap="none" rtlCol="0">
+              <a:spAutoFit/>
+            </a:bodyPr>
+            <a:lstStyle/>
+            <a:p>
+              <a:r>
+                <a:rPr lang="en-US" sz="3600" dirty="0"/>
+                <a:t>6</a:t>
+              </a:r>
+            </a:p>
+          </p:txBody>
+        </p:sp>
+        <p:sp>
+          <p:nvSpPr>
+            <p:cNvPr id="36" name="TextBox 35">
+              <a:extLst>
+                <a:ext uri="{FF2B5EF4-FFF2-40B4-BE49-F238E27FC236}">
+                  <a16:creationId xmlns:a16="http://schemas.microsoft.com/office/drawing/2014/main" id="{0CE236E9-C27E-2F40-BBFC-A07ADF7B35A1}"/>
+                </a:ext>
+              </a:extLst>
+            </p:cNvPr>
+            <p:cNvSpPr txBox="1"/>
+            <p:nvPr/>
+          </p:nvSpPr>
+          <p:spPr>
+            <a:xfrm>
+              <a:off x="8697892" y="2192461"/>
+              <a:ext cx="418704" cy="646331"/>
+            </a:xfrm>
+            <a:prstGeom prst="rect">
+              <a:avLst/>
+            </a:prstGeom>
+            <a:noFill/>
+          </p:spPr>
+          <p:txBody>
+            <a:bodyPr wrap="none" rtlCol="0">
+              <a:spAutoFit/>
+            </a:bodyPr>
+            <a:lstStyle/>
+            <a:p>
+              <a:r>
+                <a:rPr lang="en-US" sz="3600" dirty="0"/>
+                <a:t>1</a:t>
+              </a:r>
+            </a:p>
+          </p:txBody>
+        </p:sp>
+        <p:sp>
+          <p:nvSpPr>
+            <p:cNvPr id="37" name="TextBox 36">
+              <a:extLst>
+                <a:ext uri="{FF2B5EF4-FFF2-40B4-BE49-F238E27FC236}">
+                  <a16:creationId xmlns:a16="http://schemas.microsoft.com/office/drawing/2014/main" id="{2B2471B1-2F0D-BE43-817B-E596C1C69EF6}"/>
+                </a:ext>
+              </a:extLst>
+            </p:cNvPr>
+            <p:cNvSpPr txBox="1"/>
+            <p:nvPr/>
+          </p:nvSpPr>
+          <p:spPr>
+            <a:xfrm>
+              <a:off x="7217608" y="2911028"/>
+              <a:ext cx="418704" cy="646331"/>
+            </a:xfrm>
+            <a:prstGeom prst="rect">
+              <a:avLst/>
+            </a:prstGeom>
+            <a:noFill/>
+          </p:spPr>
+          <p:txBody>
+            <a:bodyPr wrap="none" rtlCol="0">
+              <a:spAutoFit/>
+            </a:bodyPr>
+            <a:lstStyle/>
+            <a:p>
+              <a:r>
+                <a:rPr lang="en-US" sz="3600" dirty="0"/>
+                <a:t>8</a:t>
+              </a:r>
+            </a:p>
+          </p:txBody>
+        </p:sp>
+        <p:sp>
+          <p:nvSpPr>
+            <p:cNvPr id="38" name="TextBox 37">
+              <a:extLst>
+                <a:ext uri="{FF2B5EF4-FFF2-40B4-BE49-F238E27FC236}">
+                  <a16:creationId xmlns:a16="http://schemas.microsoft.com/office/drawing/2014/main" id="{19FE8A43-44AC-1847-86AB-FE18E2B90FEE}"/>
+                </a:ext>
+              </a:extLst>
+            </p:cNvPr>
+            <p:cNvSpPr txBox="1"/>
+            <p:nvPr/>
+          </p:nvSpPr>
+          <p:spPr>
+            <a:xfrm>
+              <a:off x="7949128" y="2911028"/>
+              <a:ext cx="418704" cy="646331"/>
+            </a:xfrm>
+            <a:prstGeom prst="rect">
+              <a:avLst/>
+            </a:prstGeom>
+            <a:noFill/>
+          </p:spPr>
+          <p:txBody>
+            <a:bodyPr wrap="none" rtlCol="0">
+              <a:spAutoFit/>
+            </a:bodyPr>
+            <a:lstStyle/>
+            <a:p>
+              <a:r>
+                <a:rPr lang="en-US" sz="3600" dirty="0"/>
+                <a:t>9</a:t>
+              </a:r>
+            </a:p>
+          </p:txBody>
+        </p:sp>
+        <p:sp>
+          <p:nvSpPr>
+            <p:cNvPr id="39" name="TextBox 38">
+              <a:extLst>
+                <a:ext uri="{FF2B5EF4-FFF2-40B4-BE49-F238E27FC236}">
+                  <a16:creationId xmlns:a16="http://schemas.microsoft.com/office/drawing/2014/main" id="{BFB3EC7B-BBC9-3240-8E96-0F13AE4E4ED1}"/>
+                </a:ext>
+              </a:extLst>
+            </p:cNvPr>
+            <p:cNvSpPr txBox="1"/>
+            <p:nvPr/>
+          </p:nvSpPr>
+          <p:spPr>
+            <a:xfrm>
+              <a:off x="8697892" y="2911028"/>
+              <a:ext cx="418704" cy="646331"/>
+            </a:xfrm>
+            <a:prstGeom prst="rect">
+              <a:avLst/>
+            </a:prstGeom>
+            <a:noFill/>
+          </p:spPr>
+          <p:txBody>
+            <a:bodyPr wrap="none" rtlCol="0">
+              <a:spAutoFit/>
+            </a:bodyPr>
+            <a:lstStyle/>
+            <a:p>
+              <a:r>
+                <a:rPr lang="en-US" sz="3600" dirty="0"/>
+                <a:t>3</a:t>
+              </a:r>
+            </a:p>
+          </p:txBody>
+        </p:sp>
+      </p:grpSp>
+      <p:grpSp>
+        <p:nvGrpSpPr>
+          <p:cNvPr id="3" name="Group 2">
+            <a:extLst>
+              <a:ext uri="{FF2B5EF4-FFF2-40B4-BE49-F238E27FC236}">
+                <a16:creationId xmlns:a16="http://schemas.microsoft.com/office/drawing/2014/main" id="{C1152480-0209-2145-934B-61D4EDE0CCCD}"/>
+              </a:ext>
+            </a:extLst>
+          </p:cNvPr>
+          <p:cNvGrpSpPr/>
+          <p:nvPr/>
+        </p:nvGrpSpPr>
+        <p:grpSpPr>
+          <a:xfrm>
+            <a:off x="3430072" y="2839908"/>
+            <a:ext cx="2194560" cy="1463040"/>
+            <a:chOff x="7600612" y="4331474"/>
+            <a:chExt cx="2194560" cy="1463040"/>
+          </a:xfrm>
+        </p:grpSpPr>
+        <p:grpSp>
+          <p:nvGrpSpPr>
+            <p:cNvPr id="47" name="Group 46">
+              <a:extLst>
+                <a:ext uri="{FF2B5EF4-FFF2-40B4-BE49-F238E27FC236}">
+                  <a16:creationId xmlns:a16="http://schemas.microsoft.com/office/drawing/2014/main" id="{E1905B11-6411-BD4C-A548-4140F65CEFE3}"/>
+                </a:ext>
+              </a:extLst>
+            </p:cNvPr>
+            <p:cNvGrpSpPr/>
+            <p:nvPr/>
+          </p:nvGrpSpPr>
+          <p:grpSpPr>
+            <a:xfrm>
+              <a:off x="7600612" y="4331474"/>
+              <a:ext cx="2194560" cy="1463040"/>
+              <a:chOff x="5811520" y="3488194"/>
+              <a:chExt cx="2194560" cy="1463040"/>
+            </a:xfrm>
+            <a:solidFill>
+              <a:schemeClr val="bg1"/>
+            </a:solidFill>
+          </p:grpSpPr>
+          <p:sp>
+            <p:nvSpPr>
+              <p:cNvPr id="48" name="Rectangle 47">
+                <a:extLst>
+                  <a:ext uri="{FF2B5EF4-FFF2-40B4-BE49-F238E27FC236}">
+                    <a16:creationId xmlns:a16="http://schemas.microsoft.com/office/drawing/2014/main" id="{C921BD7B-6C5C-7748-88B5-914D4EF37998}"/>
+                  </a:ext>
+                </a:extLst>
+              </p:cNvPr>
+              <p:cNvSpPr/>
+              <p:nvPr/>
+            </p:nvSpPr>
+            <p:spPr>
+              <a:xfrm>
+                <a:off x="5811520" y="3488194"/>
+                <a:ext cx="731520" cy="731520"/>
+              </a:xfrm>
+              <a:prstGeom prst="rect">
+                <a:avLst/>
+              </a:prstGeom>
+              <a:grpFill/>
+              <a:ln w="38100">
+                <a:solidFill>
+                  <a:schemeClr val="tx1"/>
+                </a:solidFill>
+              </a:ln>
+            </p:spPr>
+            <p:style>
+              <a:lnRef idx="2">
+                <a:schemeClr val="accent1">
+                  <a:shade val="50000"/>
+                </a:schemeClr>
+              </a:lnRef>
+              <a:fillRef idx="1">
+                <a:schemeClr val="accent1"/>
+              </a:fillRef>
+              <a:effectRef idx="0">
+                <a:schemeClr val="accent1"/>
+              </a:effectRef>
+              <a:fontRef idx="minor">
+                <a:schemeClr val="lt1"/>
+              </a:fontRef>
+            </p:style>
+            <p:txBody>
+              <a:bodyPr rtlCol="0" anchor="ctr"/>
+              <a:lstStyle/>
+              <a:p>
+                <a:pPr algn="ctr"/>
+                <a:endParaRPr lang="en-US"/>
+              </a:p>
+            </p:txBody>
+          </p:sp>
+          <p:sp>
+            <p:nvSpPr>
+              <p:cNvPr id="49" name="Rectangle 48">
+                <a:extLst>
+                  <a:ext uri="{FF2B5EF4-FFF2-40B4-BE49-F238E27FC236}">
+                    <a16:creationId xmlns:a16="http://schemas.microsoft.com/office/drawing/2014/main" id="{015C6EBD-AD0D-4D42-9FBF-8F30842BB5CC}"/>
+                  </a:ext>
+                </a:extLst>
+              </p:cNvPr>
+              <p:cNvSpPr/>
+              <p:nvPr/>
+            </p:nvSpPr>
+            <p:spPr>
+              <a:xfrm>
+                <a:off x="6543040" y="3488194"/>
+                <a:ext cx="731520" cy="731520"/>
+              </a:xfrm>
+              <a:prstGeom prst="rect">
+                <a:avLst/>
+              </a:prstGeom>
+              <a:grpFill/>
+              <a:ln w="38100">
+                <a:solidFill>
+                  <a:schemeClr val="tx1"/>
+                </a:solidFill>
+              </a:ln>
+            </p:spPr>
+            <p:style>
+              <a:lnRef idx="2">
+                <a:schemeClr val="accent1">
+                  <a:shade val="50000"/>
+                </a:schemeClr>
+              </a:lnRef>
+              <a:fillRef idx="1">
+                <a:schemeClr val="accent1"/>
+              </a:fillRef>
+              <a:effectRef idx="0">
+                <a:schemeClr val="accent1"/>
+              </a:effectRef>
+              <a:fontRef idx="minor">
+                <a:schemeClr val="lt1"/>
+              </a:fontRef>
+            </p:style>
+            <p:txBody>
+              <a:bodyPr rtlCol="0" anchor="ctr"/>
+              <a:lstStyle/>
+              <a:p>
+                <a:pPr algn="ctr"/>
+                <a:endParaRPr lang="en-US"/>
+              </a:p>
+            </p:txBody>
+          </p:sp>
+          <p:sp>
+            <p:nvSpPr>
+              <p:cNvPr id="51" name="Rectangle 50">
+                <a:extLst>
+                  <a:ext uri="{FF2B5EF4-FFF2-40B4-BE49-F238E27FC236}">
+                    <a16:creationId xmlns:a16="http://schemas.microsoft.com/office/drawing/2014/main" id="{F7362B71-2349-B143-97BD-64DA78534C8C}"/>
+                  </a:ext>
+                </a:extLst>
+              </p:cNvPr>
+              <p:cNvSpPr/>
+              <p:nvPr/>
+            </p:nvSpPr>
+            <p:spPr>
+              <a:xfrm>
+                <a:off x="5811520" y="4219714"/>
+                <a:ext cx="731520" cy="731520"/>
+              </a:xfrm>
+              <a:prstGeom prst="rect">
+                <a:avLst/>
+              </a:prstGeom>
+              <a:grpFill/>
+              <a:ln w="38100">
+                <a:solidFill>
+                  <a:schemeClr val="tx1"/>
+                </a:solidFill>
+              </a:ln>
+            </p:spPr>
+            <p:style>
+              <a:lnRef idx="2">
+                <a:schemeClr val="accent1">
+                  <a:shade val="50000"/>
+                </a:schemeClr>
+              </a:lnRef>
+              <a:fillRef idx="1">
+                <a:schemeClr val="accent1"/>
+              </a:fillRef>
+              <a:effectRef idx="0">
+                <a:schemeClr val="accent1"/>
+              </a:effectRef>
+              <a:fontRef idx="minor">
+                <a:schemeClr val="lt1"/>
+              </a:fontRef>
+            </p:style>
+            <p:txBody>
+              <a:bodyPr rtlCol="0" anchor="ctr"/>
+              <a:lstStyle/>
+              <a:p>
+                <a:pPr algn="ctr"/>
+                <a:endParaRPr lang="en-US"/>
+              </a:p>
+            </p:txBody>
+          </p:sp>
+          <p:sp>
+            <p:nvSpPr>
+              <p:cNvPr id="52" name="Rectangle 51">
+                <a:extLst>
+                  <a:ext uri="{FF2B5EF4-FFF2-40B4-BE49-F238E27FC236}">
+                    <a16:creationId xmlns:a16="http://schemas.microsoft.com/office/drawing/2014/main" id="{3267498C-CAF4-C040-8940-A29498EB162F}"/>
+                  </a:ext>
+                </a:extLst>
+              </p:cNvPr>
+              <p:cNvSpPr/>
+              <p:nvPr/>
+            </p:nvSpPr>
+            <p:spPr>
+              <a:xfrm>
+                <a:off x="6543040" y="4219714"/>
+                <a:ext cx="731520" cy="731520"/>
+              </a:xfrm>
+              <a:prstGeom prst="rect">
+                <a:avLst/>
+              </a:prstGeom>
+              <a:grpFill/>
+              <a:ln w="38100">
+                <a:solidFill>
+                  <a:schemeClr val="tx1"/>
+                </a:solidFill>
+              </a:ln>
+            </p:spPr>
+            <p:style>
+              <a:lnRef idx="2">
+                <a:schemeClr val="accent1">
+                  <a:shade val="50000"/>
+                </a:schemeClr>
+              </a:lnRef>
+              <a:fillRef idx="1">
+                <a:schemeClr val="accent1"/>
+              </a:fillRef>
+              <a:effectRef idx="0">
+                <a:schemeClr val="accent1"/>
+              </a:effectRef>
+              <a:fontRef idx="minor">
+                <a:schemeClr val="lt1"/>
+              </a:fontRef>
+            </p:style>
+            <p:txBody>
+              <a:bodyPr rtlCol="0" anchor="ctr"/>
+              <a:lstStyle/>
+              <a:p>
+                <a:pPr algn="ctr"/>
+                <a:endParaRPr lang="en-US"/>
+              </a:p>
+            </p:txBody>
+          </p:sp>
+          <p:sp>
+            <p:nvSpPr>
+              <p:cNvPr id="53" name="Rectangle 52">
+                <a:extLst>
+                  <a:ext uri="{FF2B5EF4-FFF2-40B4-BE49-F238E27FC236}">
+                    <a16:creationId xmlns:a16="http://schemas.microsoft.com/office/drawing/2014/main" id="{91DEF15A-94E3-0C40-9F6F-44EA1DF8FA59}"/>
+                  </a:ext>
+                </a:extLst>
+              </p:cNvPr>
+              <p:cNvSpPr/>
+              <p:nvPr/>
+            </p:nvSpPr>
+            <p:spPr>
+              <a:xfrm>
+                <a:off x="7274560" y="4219714"/>
+                <a:ext cx="731520" cy="731520"/>
+              </a:xfrm>
+              <a:prstGeom prst="rect">
+                <a:avLst/>
+              </a:prstGeom>
+              <a:grpFill/>
+              <a:ln w="38100">
+                <a:solidFill>
+                  <a:schemeClr val="tx1"/>
+                </a:solidFill>
+              </a:ln>
+            </p:spPr>
+            <p:style>
+              <a:lnRef idx="2">
+                <a:schemeClr val="accent1">
+                  <a:shade val="50000"/>
+                </a:schemeClr>
+              </a:lnRef>
+              <a:fillRef idx="1">
+                <a:schemeClr val="accent1"/>
+              </a:fillRef>
+              <a:effectRef idx="0">
+                <a:schemeClr val="accent1"/>
+              </a:effectRef>
+              <a:fontRef idx="minor">
+                <a:schemeClr val="lt1"/>
+              </a:fontRef>
+            </p:style>
+            <p:txBody>
+              <a:bodyPr rtlCol="0" anchor="ctr"/>
+              <a:lstStyle/>
+              <a:p>
+                <a:pPr algn="ctr"/>
+                <a:endParaRPr lang="en-US"/>
+              </a:p>
+            </p:txBody>
+          </p:sp>
+          <p:sp>
+            <p:nvSpPr>
+              <p:cNvPr id="50" name="Rectangle 49">
+                <a:extLst>
+                  <a:ext uri="{FF2B5EF4-FFF2-40B4-BE49-F238E27FC236}">
+                    <a16:creationId xmlns:a16="http://schemas.microsoft.com/office/drawing/2014/main" id="{796F2148-56DC-8240-9959-0C1D32AEE940}"/>
+                  </a:ext>
+                </a:extLst>
+              </p:cNvPr>
+              <p:cNvSpPr/>
+              <p:nvPr/>
+            </p:nvSpPr>
+            <p:spPr>
+              <a:xfrm>
+                <a:off x="7274560" y="3488194"/>
+                <a:ext cx="731520" cy="731520"/>
+              </a:xfrm>
+              <a:prstGeom prst="rect">
+                <a:avLst/>
+              </a:prstGeom>
+              <a:grpFill/>
+              <a:ln w="38100">
+                <a:solidFill>
+                  <a:schemeClr val="tx1"/>
+                </a:solidFill>
+              </a:ln>
+            </p:spPr>
+            <p:style>
+              <a:lnRef idx="2">
+                <a:schemeClr val="accent1">
+                  <a:shade val="50000"/>
+                </a:schemeClr>
+              </a:lnRef>
+              <a:fillRef idx="1">
+                <a:schemeClr val="accent1"/>
+              </a:fillRef>
+              <a:effectRef idx="0">
+                <a:schemeClr val="accent1"/>
+              </a:effectRef>
+              <a:fontRef idx="minor">
+                <a:schemeClr val="lt1"/>
+              </a:fontRef>
+            </p:style>
+            <p:txBody>
+              <a:bodyPr rtlCol="0" anchor="ctr"/>
+              <a:lstStyle/>
+              <a:p>
+                <a:pPr algn="ctr"/>
+                <a:endParaRPr lang="en-US"/>
+              </a:p>
+            </p:txBody>
+          </p:sp>
+        </p:grpSp>
+        <p:sp>
+          <p:nvSpPr>
+            <p:cNvPr id="54" name="TextBox 53">
+              <a:extLst>
+                <a:ext uri="{FF2B5EF4-FFF2-40B4-BE49-F238E27FC236}">
+                  <a16:creationId xmlns:a16="http://schemas.microsoft.com/office/drawing/2014/main" id="{16601708-CA90-1047-AC13-546D4936B2BC}"/>
+                </a:ext>
+              </a:extLst>
+            </p:cNvPr>
+            <p:cNvSpPr txBox="1"/>
+            <p:nvPr/>
+          </p:nvSpPr>
+          <p:spPr>
+            <a:xfrm>
+              <a:off x="7757020" y="4387021"/>
+              <a:ext cx="418704" cy="646331"/>
+            </a:xfrm>
+            <a:prstGeom prst="rect">
+              <a:avLst/>
+            </a:prstGeom>
+            <a:noFill/>
+          </p:spPr>
+          <p:txBody>
+            <a:bodyPr wrap="none" rtlCol="0">
+              <a:spAutoFit/>
+            </a:bodyPr>
+            <a:lstStyle/>
+            <a:p>
+              <a:r>
+                <a:rPr lang="en-US" sz="3600" dirty="0"/>
+                <a:t>3</a:t>
+              </a:r>
+            </a:p>
+          </p:txBody>
+        </p:sp>
+        <p:sp>
+          <p:nvSpPr>
+            <p:cNvPr id="55" name="TextBox 54">
+              <a:extLst>
+                <a:ext uri="{FF2B5EF4-FFF2-40B4-BE49-F238E27FC236}">
+                  <a16:creationId xmlns:a16="http://schemas.microsoft.com/office/drawing/2014/main" id="{F87E00A5-67E4-644E-A577-9150222FABB1}"/>
+                </a:ext>
+              </a:extLst>
+            </p:cNvPr>
+            <p:cNvSpPr txBox="1"/>
+            <p:nvPr/>
+          </p:nvSpPr>
+          <p:spPr>
+            <a:xfrm>
+              <a:off x="8488540" y="4387021"/>
+              <a:ext cx="418704" cy="646331"/>
+            </a:xfrm>
+            <a:prstGeom prst="rect">
+              <a:avLst/>
+            </a:prstGeom>
+            <a:noFill/>
+          </p:spPr>
+          <p:txBody>
+            <a:bodyPr wrap="none" rtlCol="0">
+              <a:spAutoFit/>
+            </a:bodyPr>
+            <a:lstStyle/>
+            <a:p>
+              <a:r>
+                <a:rPr lang="en-US" sz="3600" dirty="0"/>
+                <a:t>6</a:t>
+              </a:r>
+            </a:p>
+          </p:txBody>
+        </p:sp>
+        <p:sp>
+          <p:nvSpPr>
+            <p:cNvPr id="56" name="TextBox 55">
+              <a:extLst>
+                <a:ext uri="{FF2B5EF4-FFF2-40B4-BE49-F238E27FC236}">
+                  <a16:creationId xmlns:a16="http://schemas.microsoft.com/office/drawing/2014/main" id="{33EC649A-ED57-F34E-A84D-014E0E5772DB}"/>
+                </a:ext>
+              </a:extLst>
+            </p:cNvPr>
+            <p:cNvSpPr txBox="1"/>
+            <p:nvPr/>
+          </p:nvSpPr>
+          <p:spPr>
+            <a:xfrm>
+              <a:off x="9237304" y="4387021"/>
+              <a:ext cx="418704" cy="646331"/>
+            </a:xfrm>
+            <a:prstGeom prst="rect">
+              <a:avLst/>
+            </a:prstGeom>
+            <a:noFill/>
+          </p:spPr>
+          <p:txBody>
+            <a:bodyPr wrap="none" rtlCol="0">
+              <a:spAutoFit/>
+            </a:bodyPr>
+            <a:lstStyle/>
+            <a:p>
+              <a:r>
+                <a:rPr lang="en-US" sz="3600" dirty="0"/>
+                <a:t>1</a:t>
+              </a:r>
+            </a:p>
+          </p:txBody>
+        </p:sp>
+        <p:sp>
+          <p:nvSpPr>
+            <p:cNvPr id="57" name="TextBox 56">
+              <a:extLst>
+                <a:ext uri="{FF2B5EF4-FFF2-40B4-BE49-F238E27FC236}">
+                  <a16:creationId xmlns:a16="http://schemas.microsoft.com/office/drawing/2014/main" id="{9D3FCA56-C99D-1A44-8856-2081E7CD0EF3}"/>
+                </a:ext>
+              </a:extLst>
+            </p:cNvPr>
+            <p:cNvSpPr txBox="1"/>
+            <p:nvPr/>
+          </p:nvSpPr>
+          <p:spPr>
+            <a:xfrm>
+              <a:off x="7757020" y="5105588"/>
+              <a:ext cx="418704" cy="646331"/>
+            </a:xfrm>
+            <a:prstGeom prst="rect">
+              <a:avLst/>
+            </a:prstGeom>
+            <a:noFill/>
+          </p:spPr>
+          <p:txBody>
+            <a:bodyPr wrap="none" rtlCol="0">
+              <a:spAutoFit/>
+            </a:bodyPr>
+            <a:lstStyle/>
+            <a:p>
+              <a:r>
+                <a:rPr lang="en-US" sz="3600" dirty="0"/>
+                <a:t>8</a:t>
+              </a:r>
+            </a:p>
+          </p:txBody>
+        </p:sp>
+        <p:sp>
+          <p:nvSpPr>
+            <p:cNvPr id="58" name="TextBox 57">
+              <a:extLst>
+                <a:ext uri="{FF2B5EF4-FFF2-40B4-BE49-F238E27FC236}">
+                  <a16:creationId xmlns:a16="http://schemas.microsoft.com/office/drawing/2014/main" id="{3C56280C-68DC-2942-B710-29DCCDA3ABA7}"/>
+                </a:ext>
+              </a:extLst>
+            </p:cNvPr>
+            <p:cNvSpPr txBox="1"/>
+            <p:nvPr/>
+          </p:nvSpPr>
+          <p:spPr>
+            <a:xfrm>
+              <a:off x="8488540" y="5105588"/>
+              <a:ext cx="418704" cy="646331"/>
+            </a:xfrm>
+            <a:prstGeom prst="rect">
+              <a:avLst/>
+            </a:prstGeom>
+            <a:noFill/>
+          </p:spPr>
+          <p:txBody>
+            <a:bodyPr wrap="none" rtlCol="0">
+              <a:spAutoFit/>
+            </a:bodyPr>
+            <a:lstStyle/>
+            <a:p>
+              <a:r>
+                <a:rPr lang="en-US" sz="3600" dirty="0"/>
+                <a:t>5</a:t>
+              </a:r>
+            </a:p>
+          </p:txBody>
+        </p:sp>
+        <p:sp>
+          <p:nvSpPr>
+            <p:cNvPr id="59" name="TextBox 58">
+              <a:extLst>
+                <a:ext uri="{FF2B5EF4-FFF2-40B4-BE49-F238E27FC236}">
+                  <a16:creationId xmlns:a16="http://schemas.microsoft.com/office/drawing/2014/main" id="{C8482E58-E3E9-7D45-96B4-06D0D1C82DAF}"/>
+                </a:ext>
+              </a:extLst>
+            </p:cNvPr>
+            <p:cNvSpPr txBox="1"/>
+            <p:nvPr/>
+          </p:nvSpPr>
+          <p:spPr>
+            <a:xfrm>
+              <a:off x="9237304" y="5105588"/>
+              <a:ext cx="418704" cy="646331"/>
+            </a:xfrm>
+            <a:prstGeom prst="rect">
+              <a:avLst/>
+            </a:prstGeom>
+            <a:noFill/>
+          </p:spPr>
+          <p:txBody>
+            <a:bodyPr wrap="none" rtlCol="0">
+              <a:spAutoFit/>
+            </a:bodyPr>
+            <a:lstStyle/>
+            <a:p>
+              <a:r>
+                <a:rPr lang="en-US" sz="3600" dirty="0"/>
+                <a:t>2</a:t>
+              </a:r>
+            </a:p>
+          </p:txBody>
+        </p:sp>
+      </p:grpSp>
+      <p:sp>
+        <p:nvSpPr>
+          <p:cNvPr id="2" name="Title 1">
+            <a:extLst>
+              <a:ext uri="{FF2B5EF4-FFF2-40B4-BE49-F238E27FC236}">
+                <a16:creationId xmlns:a16="http://schemas.microsoft.com/office/drawing/2014/main" id="{8F36ABF1-36E1-484E-8B21-11EDC773D1BC}"/>
+              </a:ext>
+            </a:extLst>
+          </p:cNvPr>
+          <p:cNvSpPr>
+            <a:spLocks noGrp="1"/>
+          </p:cNvSpPr>
+          <p:nvPr>
+            <p:ph type="title"/>
+          </p:nvPr>
+        </p:nvSpPr>
+        <p:spPr>
+          <a:xfrm>
+            <a:off x="889000" y="0"/>
+            <a:ext cx="10515600" cy="1325563"/>
+          </a:xfrm>
+        </p:spPr>
+        <p:txBody>
+          <a:bodyPr/>
+          <a:lstStyle/>
+          <a:p>
+            <a:pPr algn="ctr"/>
+            <a:r>
+              <a:rPr lang="en-US" dirty="0"/>
+              <a:t>Arrays are multidimensional data structures</a:t>
+            </a:r>
+          </a:p>
+        </p:txBody>
+      </p:sp>
+      <p:sp>
+        <p:nvSpPr>
+          <p:cNvPr id="5" name="TextBox 4">
+            <a:extLst>
+              <a:ext uri="{FF2B5EF4-FFF2-40B4-BE49-F238E27FC236}">
+                <a16:creationId xmlns:a16="http://schemas.microsoft.com/office/drawing/2014/main" id="{7014CE74-7239-1647-8226-F052973C68DF}"/>
+              </a:ext>
+            </a:extLst>
+          </p:cNvPr>
+          <p:cNvSpPr txBox="1"/>
+          <p:nvPr/>
+        </p:nvSpPr>
+        <p:spPr>
+          <a:xfrm>
+            <a:off x="509072" y="3048881"/>
+            <a:ext cx="2021840" cy="1200329"/>
+          </a:xfrm>
+          <a:prstGeom prst="rect">
+            <a:avLst/>
+          </a:prstGeom>
+          <a:noFill/>
+        </p:spPr>
+        <p:txBody>
+          <a:bodyPr wrap="square" rtlCol="0">
+            <a:spAutoFit/>
+          </a:bodyPr>
+          <a:lstStyle/>
+          <a:p>
+            <a:r>
+              <a:rPr lang="en-US" sz="3600" dirty="0"/>
+              <a:t>4D array:</a:t>
+            </a:r>
+          </a:p>
+          <a:p>
+            <a:endParaRPr lang="en-US" sz="3600" dirty="0"/>
+          </a:p>
+        </p:txBody>
+      </p:sp>
+      <p:grpSp>
+        <p:nvGrpSpPr>
+          <p:cNvPr id="17" name="Group 16">
+            <a:extLst>
+              <a:ext uri="{FF2B5EF4-FFF2-40B4-BE49-F238E27FC236}">
+                <a16:creationId xmlns:a16="http://schemas.microsoft.com/office/drawing/2014/main" id="{779C19C1-AD38-6D4F-8CCE-3F658EA203FB}"/>
+              </a:ext>
+            </a:extLst>
+          </p:cNvPr>
+          <p:cNvGrpSpPr/>
+          <p:nvPr/>
+        </p:nvGrpSpPr>
+        <p:grpSpPr>
+          <a:xfrm>
+            <a:off x="3078480" y="3356114"/>
+            <a:ext cx="2194560" cy="1463040"/>
+            <a:chOff x="5811520" y="3488194"/>
+            <a:chExt cx="2194560" cy="1463040"/>
+          </a:xfrm>
+          <a:solidFill>
+            <a:schemeClr val="bg1"/>
+          </a:solidFill>
+        </p:grpSpPr>
+        <p:sp>
+          <p:nvSpPr>
+            <p:cNvPr id="10" name="Rectangle 9">
+              <a:extLst>
+                <a:ext uri="{FF2B5EF4-FFF2-40B4-BE49-F238E27FC236}">
+                  <a16:creationId xmlns:a16="http://schemas.microsoft.com/office/drawing/2014/main" id="{9AE291AB-5DC8-C24F-AE41-1AA41DB63A9D}"/>
+                </a:ext>
+              </a:extLst>
+            </p:cNvPr>
+            <p:cNvSpPr/>
+            <p:nvPr/>
+          </p:nvSpPr>
+          <p:spPr>
+            <a:xfrm>
+              <a:off x="5811520" y="3488194"/>
+              <a:ext cx="731520" cy="731520"/>
+            </a:xfrm>
+            <a:prstGeom prst="rect">
+              <a:avLst/>
+            </a:prstGeom>
+            <a:grpFill/>
+            <a:ln w="38100">
+              <a:solidFill>
+                <a:schemeClr val="tx1"/>
+              </a:solidFill>
+            </a:ln>
+          </p:spPr>
+          <p:style>
+            <a:lnRef idx="2">
+              <a:schemeClr val="accent1">
+                <a:shade val="50000"/>
+              </a:schemeClr>
+            </a:lnRef>
+            <a:fillRef idx="1">
+              <a:schemeClr val="accent1"/>
+            </a:fillRef>
+            <a:effectRef idx="0">
+              <a:schemeClr val="accent1"/>
+            </a:effectRef>
+            <a:fontRef idx="minor">
+              <a:schemeClr val="lt1"/>
+            </a:fontRef>
+          </p:style>
+          <p:txBody>
+            <a:bodyPr rtlCol="0" anchor="ctr"/>
+            <a:lstStyle/>
+            <a:p>
+              <a:pPr algn="ctr"/>
+              <a:endParaRPr lang="en-US"/>
+            </a:p>
+          </p:txBody>
+        </p:sp>
+        <p:sp>
+          <p:nvSpPr>
+            <p:cNvPr id="13" name="Rectangle 12">
+              <a:extLst>
+                <a:ext uri="{FF2B5EF4-FFF2-40B4-BE49-F238E27FC236}">
+                  <a16:creationId xmlns:a16="http://schemas.microsoft.com/office/drawing/2014/main" id="{57E1BD6A-FEB2-054E-84B0-18FA063380D7}"/>
+                </a:ext>
+              </a:extLst>
+            </p:cNvPr>
+            <p:cNvSpPr/>
+            <p:nvPr/>
+          </p:nvSpPr>
+          <p:spPr>
+            <a:xfrm>
+              <a:off x="5811520" y="4219714"/>
+              <a:ext cx="731520" cy="731520"/>
+            </a:xfrm>
+            <a:prstGeom prst="rect">
+              <a:avLst/>
+            </a:prstGeom>
+            <a:grpFill/>
+            <a:ln w="38100">
+              <a:solidFill>
+                <a:schemeClr val="tx1"/>
+              </a:solidFill>
+            </a:ln>
+          </p:spPr>
+          <p:style>
+            <a:lnRef idx="2">
+              <a:schemeClr val="accent1">
+                <a:shade val="50000"/>
+              </a:schemeClr>
+            </a:lnRef>
+            <a:fillRef idx="1">
+              <a:schemeClr val="accent1"/>
+            </a:fillRef>
+            <a:effectRef idx="0">
+              <a:schemeClr val="accent1"/>
+            </a:effectRef>
+            <a:fontRef idx="minor">
+              <a:schemeClr val="lt1"/>
+            </a:fontRef>
+          </p:style>
+          <p:txBody>
+            <a:bodyPr rtlCol="0" anchor="ctr"/>
+            <a:lstStyle/>
+            <a:p>
+              <a:pPr algn="ctr"/>
+              <a:endParaRPr lang="en-US"/>
+            </a:p>
+          </p:txBody>
+        </p:sp>
+        <p:sp>
+          <p:nvSpPr>
+            <p:cNvPr id="14" name="Rectangle 13">
+              <a:extLst>
+                <a:ext uri="{FF2B5EF4-FFF2-40B4-BE49-F238E27FC236}">
+                  <a16:creationId xmlns:a16="http://schemas.microsoft.com/office/drawing/2014/main" id="{D386C4B2-76F2-DE48-A2B9-AFEEC5C3FB60}"/>
+                </a:ext>
+              </a:extLst>
+            </p:cNvPr>
+            <p:cNvSpPr/>
+            <p:nvPr/>
+          </p:nvSpPr>
+          <p:spPr>
+            <a:xfrm>
+              <a:off x="6543040" y="4219714"/>
+              <a:ext cx="731520" cy="731520"/>
+            </a:xfrm>
+            <a:prstGeom prst="rect">
+              <a:avLst/>
+            </a:prstGeom>
+            <a:grpFill/>
+            <a:ln w="38100">
+              <a:solidFill>
+                <a:schemeClr val="tx1"/>
+              </a:solidFill>
+            </a:ln>
+          </p:spPr>
+          <p:style>
+            <a:lnRef idx="2">
+              <a:schemeClr val="accent1">
+                <a:shade val="50000"/>
+              </a:schemeClr>
+            </a:lnRef>
+            <a:fillRef idx="1">
+              <a:schemeClr val="accent1"/>
+            </a:fillRef>
+            <a:effectRef idx="0">
+              <a:schemeClr val="accent1"/>
+            </a:effectRef>
+            <a:fontRef idx="minor">
+              <a:schemeClr val="lt1"/>
+            </a:fontRef>
+          </p:style>
+          <p:txBody>
+            <a:bodyPr rtlCol="0" anchor="ctr"/>
+            <a:lstStyle/>
+            <a:p>
+              <a:pPr algn="ctr"/>
+              <a:endParaRPr lang="en-US"/>
+            </a:p>
+          </p:txBody>
+        </p:sp>
+        <p:sp>
+          <p:nvSpPr>
+            <p:cNvPr id="15" name="Rectangle 14">
+              <a:extLst>
+                <a:ext uri="{FF2B5EF4-FFF2-40B4-BE49-F238E27FC236}">
+                  <a16:creationId xmlns:a16="http://schemas.microsoft.com/office/drawing/2014/main" id="{9B04CF07-2EFF-C24F-961B-186D79D8B234}"/>
+                </a:ext>
+              </a:extLst>
+            </p:cNvPr>
+            <p:cNvSpPr/>
+            <p:nvPr/>
+          </p:nvSpPr>
+          <p:spPr>
+            <a:xfrm>
+              <a:off x="7274560" y="4219714"/>
+              <a:ext cx="731520" cy="731520"/>
+            </a:xfrm>
+            <a:prstGeom prst="rect">
+              <a:avLst/>
+            </a:prstGeom>
+            <a:grpFill/>
+            <a:ln w="38100">
+              <a:solidFill>
+                <a:schemeClr val="tx1"/>
+              </a:solidFill>
+            </a:ln>
+          </p:spPr>
+          <p:style>
+            <a:lnRef idx="2">
+              <a:schemeClr val="accent1">
+                <a:shade val="50000"/>
+              </a:schemeClr>
+            </a:lnRef>
+            <a:fillRef idx="1">
+              <a:schemeClr val="accent1"/>
+            </a:fillRef>
+            <a:effectRef idx="0">
+              <a:schemeClr val="accent1"/>
+            </a:effectRef>
+            <a:fontRef idx="minor">
+              <a:schemeClr val="lt1"/>
+            </a:fontRef>
+          </p:style>
+          <p:txBody>
+            <a:bodyPr rtlCol="0" anchor="ctr"/>
+            <a:lstStyle/>
+            <a:p>
+              <a:pPr algn="ctr"/>
+              <a:endParaRPr lang="en-US"/>
+            </a:p>
+          </p:txBody>
+        </p:sp>
+        <p:sp>
+          <p:nvSpPr>
+            <p:cNvPr id="11" name="Rectangle 10">
+              <a:extLst>
+                <a:ext uri="{FF2B5EF4-FFF2-40B4-BE49-F238E27FC236}">
+                  <a16:creationId xmlns:a16="http://schemas.microsoft.com/office/drawing/2014/main" id="{E819C1D7-FD5C-8B43-A856-CF5E9FBDF71A}"/>
+                </a:ext>
+              </a:extLst>
+            </p:cNvPr>
+            <p:cNvSpPr/>
+            <p:nvPr/>
+          </p:nvSpPr>
+          <p:spPr>
+            <a:xfrm>
+              <a:off x="6543040" y="3488194"/>
+              <a:ext cx="731520" cy="731520"/>
+            </a:xfrm>
+            <a:prstGeom prst="rect">
+              <a:avLst/>
+            </a:prstGeom>
+            <a:grpFill/>
+            <a:ln w="38100">
+              <a:solidFill>
+                <a:schemeClr val="tx1"/>
+              </a:solidFill>
+            </a:ln>
+          </p:spPr>
+          <p:style>
+            <a:lnRef idx="2">
+              <a:schemeClr val="accent1">
+                <a:shade val="50000"/>
+              </a:schemeClr>
+            </a:lnRef>
+            <a:fillRef idx="1">
+              <a:schemeClr val="accent1"/>
+            </a:fillRef>
+            <a:effectRef idx="0">
+              <a:schemeClr val="accent1"/>
+            </a:effectRef>
+            <a:fontRef idx="minor">
+              <a:schemeClr val="lt1"/>
+            </a:fontRef>
+          </p:style>
+          <p:txBody>
+            <a:bodyPr rtlCol="0" anchor="ctr"/>
+            <a:lstStyle/>
+            <a:p>
+              <a:pPr algn="ctr"/>
+              <a:endParaRPr lang="en-US"/>
+            </a:p>
+          </p:txBody>
+        </p:sp>
+        <p:sp>
+          <p:nvSpPr>
+            <p:cNvPr id="12" name="Rectangle 11">
+              <a:extLst>
+                <a:ext uri="{FF2B5EF4-FFF2-40B4-BE49-F238E27FC236}">
+                  <a16:creationId xmlns:a16="http://schemas.microsoft.com/office/drawing/2014/main" id="{C6CCE056-223B-494F-A85A-1276B7DED9DE}"/>
+                </a:ext>
+              </a:extLst>
+            </p:cNvPr>
+            <p:cNvSpPr/>
+            <p:nvPr/>
+          </p:nvSpPr>
+          <p:spPr>
+            <a:xfrm>
+              <a:off x="7274560" y="3488194"/>
+              <a:ext cx="731520" cy="731520"/>
+            </a:xfrm>
+            <a:prstGeom prst="rect">
+              <a:avLst/>
+            </a:prstGeom>
+            <a:grpFill/>
+            <a:ln w="38100">
+              <a:solidFill>
+                <a:srgbClr val="FF0000"/>
+              </a:solidFill>
+            </a:ln>
+          </p:spPr>
+          <p:style>
+            <a:lnRef idx="2">
+              <a:schemeClr val="accent1">
+                <a:shade val="50000"/>
+              </a:schemeClr>
+            </a:lnRef>
+            <a:fillRef idx="1">
+              <a:schemeClr val="accent1"/>
+            </a:fillRef>
+            <a:effectRef idx="0">
+              <a:schemeClr val="accent1"/>
+            </a:effectRef>
+            <a:fontRef idx="minor">
+              <a:schemeClr val="lt1"/>
+            </a:fontRef>
+          </p:style>
+          <p:txBody>
+            <a:bodyPr rtlCol="0" anchor="ctr"/>
+            <a:lstStyle/>
+            <a:p>
+              <a:pPr algn="ctr"/>
+              <a:endParaRPr lang="en-US"/>
+            </a:p>
+          </p:txBody>
+        </p:sp>
+      </p:grpSp>
+      <p:sp>
+        <p:nvSpPr>
+          <p:cNvPr id="21" name="TextBox 20">
+            <a:extLst>
+              <a:ext uri="{FF2B5EF4-FFF2-40B4-BE49-F238E27FC236}">
+                <a16:creationId xmlns:a16="http://schemas.microsoft.com/office/drawing/2014/main" id="{92FAA705-B83F-BC47-89CB-8FDBE0B2FE84}"/>
+              </a:ext>
+            </a:extLst>
+          </p:cNvPr>
+          <p:cNvSpPr txBox="1"/>
+          <p:nvPr/>
+        </p:nvSpPr>
+        <p:spPr>
+          <a:xfrm>
+            <a:off x="3234888" y="3411661"/>
+            <a:ext cx="418704" cy="646331"/>
+          </a:xfrm>
+          <a:prstGeom prst="rect">
+            <a:avLst/>
+          </a:prstGeom>
+          <a:noFill/>
+        </p:spPr>
+        <p:txBody>
+          <a:bodyPr wrap="none" rtlCol="0">
+            <a:spAutoFit/>
+          </a:bodyPr>
+          <a:lstStyle/>
+          <a:p>
+            <a:r>
+              <a:rPr lang="en-US" sz="3600" dirty="0"/>
+              <a:t>1</a:t>
+            </a:r>
+          </a:p>
+        </p:txBody>
+      </p:sp>
+      <p:sp>
+        <p:nvSpPr>
+          <p:cNvPr id="22" name="TextBox 21">
+            <a:extLst>
+              <a:ext uri="{FF2B5EF4-FFF2-40B4-BE49-F238E27FC236}">
+                <a16:creationId xmlns:a16="http://schemas.microsoft.com/office/drawing/2014/main" id="{681A15FC-D7AB-334A-870C-721CE6B894EA}"/>
+              </a:ext>
+            </a:extLst>
+          </p:cNvPr>
+          <p:cNvSpPr txBox="1"/>
+          <p:nvPr/>
+        </p:nvSpPr>
+        <p:spPr>
+          <a:xfrm>
+            <a:off x="3966408" y="3411661"/>
+            <a:ext cx="418704" cy="646331"/>
+          </a:xfrm>
+          <a:prstGeom prst="rect">
+            <a:avLst/>
+          </a:prstGeom>
+          <a:noFill/>
+        </p:spPr>
+        <p:txBody>
+          <a:bodyPr wrap="none" rtlCol="0">
+            <a:spAutoFit/>
+          </a:bodyPr>
+          <a:lstStyle/>
+          <a:p>
+            <a:r>
+              <a:rPr lang="en-US" sz="3600" dirty="0"/>
+              <a:t>7</a:t>
+            </a:r>
+          </a:p>
+        </p:txBody>
+      </p:sp>
+      <p:sp>
+        <p:nvSpPr>
+          <p:cNvPr id="23" name="TextBox 22">
+            <a:extLst>
+              <a:ext uri="{FF2B5EF4-FFF2-40B4-BE49-F238E27FC236}">
+                <a16:creationId xmlns:a16="http://schemas.microsoft.com/office/drawing/2014/main" id="{907C7D66-21AE-7E41-AE7F-8D4341A81622}"/>
+              </a:ext>
+            </a:extLst>
+          </p:cNvPr>
+          <p:cNvSpPr txBox="1"/>
+          <p:nvPr/>
+        </p:nvSpPr>
+        <p:spPr>
+          <a:xfrm>
+            <a:off x="4715172" y="3411661"/>
+            <a:ext cx="418704" cy="646331"/>
+          </a:xfrm>
+          <a:prstGeom prst="rect">
+            <a:avLst/>
+          </a:prstGeom>
+          <a:noFill/>
+        </p:spPr>
+        <p:txBody>
+          <a:bodyPr wrap="none" rtlCol="0">
+            <a:spAutoFit/>
+          </a:bodyPr>
+          <a:lstStyle/>
+          <a:p>
+            <a:r>
+              <a:rPr lang="en-US" sz="3600" dirty="0"/>
+              <a:t>2</a:t>
+            </a:r>
+          </a:p>
+        </p:txBody>
+      </p:sp>
+      <p:sp>
+        <p:nvSpPr>
+          <p:cNvPr id="24" name="TextBox 23">
+            <a:extLst>
+              <a:ext uri="{FF2B5EF4-FFF2-40B4-BE49-F238E27FC236}">
+                <a16:creationId xmlns:a16="http://schemas.microsoft.com/office/drawing/2014/main" id="{412E34C9-39E7-824D-AEB3-E43334FA6632}"/>
+              </a:ext>
+            </a:extLst>
+          </p:cNvPr>
+          <p:cNvSpPr txBox="1"/>
+          <p:nvPr/>
+        </p:nvSpPr>
+        <p:spPr>
+          <a:xfrm>
+            <a:off x="3234888" y="4130228"/>
+            <a:ext cx="418704" cy="646331"/>
+          </a:xfrm>
+          <a:prstGeom prst="rect">
+            <a:avLst/>
+          </a:prstGeom>
+          <a:noFill/>
+        </p:spPr>
+        <p:txBody>
+          <a:bodyPr wrap="none" rtlCol="0">
+            <a:spAutoFit/>
+          </a:bodyPr>
+          <a:lstStyle/>
+          <a:p>
+            <a:r>
+              <a:rPr lang="en-US" sz="3600" dirty="0"/>
+              <a:t>8</a:t>
+            </a:r>
+          </a:p>
+        </p:txBody>
+      </p:sp>
+      <p:sp>
+        <p:nvSpPr>
+          <p:cNvPr id="25" name="TextBox 24">
+            <a:extLst>
+              <a:ext uri="{FF2B5EF4-FFF2-40B4-BE49-F238E27FC236}">
+                <a16:creationId xmlns:a16="http://schemas.microsoft.com/office/drawing/2014/main" id="{C233AF54-3382-8247-BF26-7B2C02DA5C96}"/>
+              </a:ext>
+            </a:extLst>
+          </p:cNvPr>
+          <p:cNvSpPr txBox="1"/>
+          <p:nvPr/>
+        </p:nvSpPr>
+        <p:spPr>
+          <a:xfrm>
+            <a:off x="3966408" y="4130228"/>
+            <a:ext cx="418704" cy="646331"/>
+          </a:xfrm>
+          <a:prstGeom prst="rect">
+            <a:avLst/>
+          </a:prstGeom>
+          <a:noFill/>
+        </p:spPr>
+        <p:txBody>
+          <a:bodyPr wrap="none" rtlCol="0">
+            <a:spAutoFit/>
+          </a:bodyPr>
+          <a:lstStyle/>
+          <a:p>
+            <a:r>
+              <a:rPr lang="en-US" sz="3600" dirty="0"/>
+              <a:t>5</a:t>
+            </a:r>
+          </a:p>
+        </p:txBody>
+      </p:sp>
+      <p:sp>
+        <p:nvSpPr>
+          <p:cNvPr id="26" name="TextBox 25">
+            <a:extLst>
+              <a:ext uri="{FF2B5EF4-FFF2-40B4-BE49-F238E27FC236}">
+                <a16:creationId xmlns:a16="http://schemas.microsoft.com/office/drawing/2014/main" id="{52C167F7-C4CC-F941-B33A-C67D45ACA146}"/>
+              </a:ext>
+            </a:extLst>
+          </p:cNvPr>
+          <p:cNvSpPr txBox="1"/>
+          <p:nvPr/>
+        </p:nvSpPr>
+        <p:spPr>
+          <a:xfrm>
+            <a:off x="4715172" y="4130228"/>
+            <a:ext cx="418704" cy="646331"/>
+          </a:xfrm>
+          <a:prstGeom prst="rect">
+            <a:avLst/>
+          </a:prstGeom>
+          <a:noFill/>
+        </p:spPr>
+        <p:txBody>
+          <a:bodyPr wrap="none" rtlCol="0">
+            <a:spAutoFit/>
+          </a:bodyPr>
+          <a:lstStyle/>
+          <a:p>
+            <a:r>
+              <a:rPr lang="en-US" sz="3600" dirty="0"/>
+              <a:t>2</a:t>
+            </a:r>
+          </a:p>
+        </p:txBody>
+      </p:sp>
+      <p:grpSp>
+        <p:nvGrpSpPr>
+          <p:cNvPr id="45" name="Group 44">
+            <a:extLst>
+              <a:ext uri="{FF2B5EF4-FFF2-40B4-BE49-F238E27FC236}">
+                <a16:creationId xmlns:a16="http://schemas.microsoft.com/office/drawing/2014/main" id="{365ADAD2-2B3C-744D-AF9E-8C9817ECF98F}"/>
+              </a:ext>
+            </a:extLst>
+          </p:cNvPr>
+          <p:cNvGrpSpPr/>
+          <p:nvPr/>
+        </p:nvGrpSpPr>
+        <p:grpSpPr>
+          <a:xfrm>
+            <a:off x="7601824" y="2311637"/>
+            <a:ext cx="2194560" cy="1463040"/>
+            <a:chOff x="7061200" y="2136914"/>
+            <a:chExt cx="2194560" cy="1463040"/>
+          </a:xfrm>
+        </p:grpSpPr>
+        <p:grpSp>
+          <p:nvGrpSpPr>
+            <p:cNvPr id="46" name="Group 45">
+              <a:extLst>
+                <a:ext uri="{FF2B5EF4-FFF2-40B4-BE49-F238E27FC236}">
+                  <a16:creationId xmlns:a16="http://schemas.microsoft.com/office/drawing/2014/main" id="{9440A7B3-A722-0E4A-8700-652C93C9D34E}"/>
+                </a:ext>
+              </a:extLst>
+            </p:cNvPr>
+            <p:cNvGrpSpPr/>
+            <p:nvPr/>
+          </p:nvGrpSpPr>
+          <p:grpSpPr>
+            <a:xfrm>
+              <a:off x="7061200" y="2136914"/>
+              <a:ext cx="2194560" cy="1463040"/>
+              <a:chOff x="5811520" y="3488194"/>
+              <a:chExt cx="2194560" cy="1463040"/>
+            </a:xfrm>
+          </p:grpSpPr>
+          <p:sp>
+            <p:nvSpPr>
+              <p:cNvPr id="66" name="Rectangle 65">
+                <a:extLst>
+                  <a:ext uri="{FF2B5EF4-FFF2-40B4-BE49-F238E27FC236}">
+                    <a16:creationId xmlns:a16="http://schemas.microsoft.com/office/drawing/2014/main" id="{04ABAEE2-9558-4041-8EB1-86FBE34D31E0}"/>
+                  </a:ext>
+                </a:extLst>
+              </p:cNvPr>
+              <p:cNvSpPr/>
+              <p:nvPr/>
+            </p:nvSpPr>
+            <p:spPr>
+              <a:xfrm>
+                <a:off x="5811520" y="3488194"/>
+                <a:ext cx="731520" cy="731520"/>
+              </a:xfrm>
+              <a:prstGeom prst="rect">
+                <a:avLst/>
+              </a:prstGeom>
+              <a:noFill/>
+              <a:ln w="38100">
+                <a:solidFill>
+                  <a:schemeClr val="tx1"/>
+                </a:solidFill>
+              </a:ln>
+            </p:spPr>
+            <p:style>
+              <a:lnRef idx="2">
+                <a:schemeClr val="accent1">
+                  <a:shade val="50000"/>
+                </a:schemeClr>
+              </a:lnRef>
+              <a:fillRef idx="1">
+                <a:schemeClr val="accent1"/>
+              </a:fillRef>
+              <a:effectRef idx="0">
+                <a:schemeClr val="accent1"/>
+              </a:effectRef>
+              <a:fontRef idx="minor">
+                <a:schemeClr val="lt1"/>
+              </a:fontRef>
+            </p:style>
+            <p:txBody>
+              <a:bodyPr rtlCol="0" anchor="ctr"/>
+              <a:lstStyle/>
+              <a:p>
+                <a:pPr algn="ctr"/>
+                <a:endParaRPr lang="en-US"/>
+              </a:p>
+            </p:txBody>
+          </p:sp>
+          <p:sp>
+            <p:nvSpPr>
+              <p:cNvPr id="67" name="Rectangle 66">
+                <a:extLst>
+                  <a:ext uri="{FF2B5EF4-FFF2-40B4-BE49-F238E27FC236}">
+                    <a16:creationId xmlns:a16="http://schemas.microsoft.com/office/drawing/2014/main" id="{2C30CC98-EE64-474D-ADB4-EC5A8286A144}"/>
+                  </a:ext>
+                </a:extLst>
+              </p:cNvPr>
+              <p:cNvSpPr/>
+              <p:nvPr/>
+            </p:nvSpPr>
+            <p:spPr>
+              <a:xfrm>
+                <a:off x="6543040" y="3488194"/>
+                <a:ext cx="731520" cy="731520"/>
+              </a:xfrm>
+              <a:prstGeom prst="rect">
+                <a:avLst/>
+              </a:prstGeom>
+              <a:noFill/>
+              <a:ln w="38100">
+                <a:solidFill>
+                  <a:schemeClr val="tx1"/>
+                </a:solidFill>
+              </a:ln>
+            </p:spPr>
+            <p:style>
+              <a:lnRef idx="2">
+                <a:schemeClr val="accent1">
+                  <a:shade val="50000"/>
+                </a:schemeClr>
+              </a:lnRef>
+              <a:fillRef idx="1">
+                <a:schemeClr val="accent1"/>
+              </a:fillRef>
+              <a:effectRef idx="0">
+                <a:schemeClr val="accent1"/>
+              </a:effectRef>
+              <a:fontRef idx="minor">
+                <a:schemeClr val="lt1"/>
+              </a:fontRef>
+            </p:style>
+            <p:txBody>
+              <a:bodyPr rtlCol="0" anchor="ctr"/>
+              <a:lstStyle/>
+              <a:p>
+                <a:pPr algn="ctr"/>
+                <a:endParaRPr lang="en-US"/>
+              </a:p>
+            </p:txBody>
+          </p:sp>
+          <p:sp>
+            <p:nvSpPr>
+              <p:cNvPr id="68" name="Rectangle 67">
+                <a:extLst>
+                  <a:ext uri="{FF2B5EF4-FFF2-40B4-BE49-F238E27FC236}">
+                    <a16:creationId xmlns:a16="http://schemas.microsoft.com/office/drawing/2014/main" id="{A7269B5F-EF42-8F43-A02D-0DBAE7F8D473}"/>
+                  </a:ext>
+                </a:extLst>
+              </p:cNvPr>
+              <p:cNvSpPr/>
+              <p:nvPr/>
+            </p:nvSpPr>
+            <p:spPr>
+              <a:xfrm>
+                <a:off x="7274560" y="3488194"/>
+                <a:ext cx="731520" cy="731520"/>
+              </a:xfrm>
+              <a:prstGeom prst="rect">
+                <a:avLst/>
+              </a:prstGeom>
+              <a:noFill/>
+              <a:ln w="38100">
+                <a:solidFill>
+                  <a:schemeClr val="tx1"/>
+                </a:solidFill>
+              </a:ln>
+            </p:spPr>
+            <p:style>
+              <a:lnRef idx="2">
+                <a:schemeClr val="accent1">
+                  <a:shade val="50000"/>
+                </a:schemeClr>
+              </a:lnRef>
+              <a:fillRef idx="1">
+                <a:schemeClr val="accent1"/>
+              </a:fillRef>
+              <a:effectRef idx="0">
+                <a:schemeClr val="accent1"/>
+              </a:effectRef>
+              <a:fontRef idx="minor">
+                <a:schemeClr val="lt1"/>
+              </a:fontRef>
+            </p:style>
+            <p:txBody>
+              <a:bodyPr rtlCol="0" anchor="ctr"/>
+              <a:lstStyle/>
+              <a:p>
+                <a:pPr algn="ctr"/>
+                <a:endParaRPr lang="en-US"/>
+              </a:p>
+            </p:txBody>
+          </p:sp>
+          <p:sp>
+            <p:nvSpPr>
+              <p:cNvPr id="69" name="Rectangle 68">
+                <a:extLst>
+                  <a:ext uri="{FF2B5EF4-FFF2-40B4-BE49-F238E27FC236}">
+                    <a16:creationId xmlns:a16="http://schemas.microsoft.com/office/drawing/2014/main" id="{6054746F-C72D-694C-891B-E845986DB3CF}"/>
+                  </a:ext>
+                </a:extLst>
+              </p:cNvPr>
+              <p:cNvSpPr/>
+              <p:nvPr/>
+            </p:nvSpPr>
+            <p:spPr>
+              <a:xfrm>
+                <a:off x="5811520" y="4219714"/>
+                <a:ext cx="731520" cy="731520"/>
+              </a:xfrm>
+              <a:prstGeom prst="rect">
+                <a:avLst/>
+              </a:prstGeom>
+              <a:noFill/>
+              <a:ln w="38100">
+                <a:solidFill>
+                  <a:schemeClr val="tx1"/>
+                </a:solidFill>
+              </a:ln>
+            </p:spPr>
+            <p:style>
+              <a:lnRef idx="2">
+                <a:schemeClr val="accent1">
+                  <a:shade val="50000"/>
+                </a:schemeClr>
+              </a:lnRef>
+              <a:fillRef idx="1">
+                <a:schemeClr val="accent1"/>
+              </a:fillRef>
+              <a:effectRef idx="0">
+                <a:schemeClr val="accent1"/>
+              </a:effectRef>
+              <a:fontRef idx="minor">
+                <a:schemeClr val="lt1"/>
+              </a:fontRef>
+            </p:style>
+            <p:txBody>
+              <a:bodyPr rtlCol="0" anchor="ctr"/>
+              <a:lstStyle/>
+              <a:p>
+                <a:pPr algn="ctr"/>
+                <a:endParaRPr lang="en-US"/>
+              </a:p>
+            </p:txBody>
+          </p:sp>
+          <p:sp>
+            <p:nvSpPr>
+              <p:cNvPr id="70" name="Rectangle 69">
+                <a:extLst>
+                  <a:ext uri="{FF2B5EF4-FFF2-40B4-BE49-F238E27FC236}">
+                    <a16:creationId xmlns:a16="http://schemas.microsoft.com/office/drawing/2014/main" id="{C8CBB9B2-116C-2842-B908-755C2483E36E}"/>
+                  </a:ext>
+                </a:extLst>
+              </p:cNvPr>
+              <p:cNvSpPr/>
+              <p:nvPr/>
+            </p:nvSpPr>
+            <p:spPr>
+              <a:xfrm>
+                <a:off x="6543040" y="4219714"/>
+                <a:ext cx="731520" cy="731520"/>
+              </a:xfrm>
+              <a:prstGeom prst="rect">
+                <a:avLst/>
+              </a:prstGeom>
+              <a:noFill/>
+              <a:ln w="38100">
+                <a:solidFill>
+                  <a:schemeClr val="tx1"/>
+                </a:solidFill>
+              </a:ln>
+            </p:spPr>
+            <p:style>
+              <a:lnRef idx="2">
+                <a:schemeClr val="accent1">
+                  <a:shade val="50000"/>
+                </a:schemeClr>
+              </a:lnRef>
+              <a:fillRef idx="1">
+                <a:schemeClr val="accent1"/>
+              </a:fillRef>
+              <a:effectRef idx="0">
+                <a:schemeClr val="accent1"/>
+              </a:effectRef>
+              <a:fontRef idx="minor">
+                <a:schemeClr val="lt1"/>
+              </a:fontRef>
+            </p:style>
+            <p:txBody>
+              <a:bodyPr rtlCol="0" anchor="ctr"/>
+              <a:lstStyle/>
+              <a:p>
+                <a:pPr algn="ctr"/>
+                <a:endParaRPr lang="en-US"/>
+              </a:p>
+            </p:txBody>
+          </p:sp>
+          <p:sp>
+            <p:nvSpPr>
+              <p:cNvPr id="71" name="Rectangle 70">
+                <a:extLst>
+                  <a:ext uri="{FF2B5EF4-FFF2-40B4-BE49-F238E27FC236}">
+                    <a16:creationId xmlns:a16="http://schemas.microsoft.com/office/drawing/2014/main" id="{DF945D79-AAA8-F045-82B2-69F7A82D3EB6}"/>
+                  </a:ext>
+                </a:extLst>
+              </p:cNvPr>
+              <p:cNvSpPr/>
+              <p:nvPr/>
+            </p:nvSpPr>
+            <p:spPr>
+              <a:xfrm>
+                <a:off x="7274560" y="4219714"/>
+                <a:ext cx="731520" cy="731520"/>
+              </a:xfrm>
+              <a:prstGeom prst="rect">
+                <a:avLst/>
+              </a:prstGeom>
+              <a:noFill/>
+              <a:ln w="38100">
+                <a:solidFill>
+                  <a:schemeClr val="tx1"/>
+                </a:solidFill>
+              </a:ln>
+            </p:spPr>
+            <p:style>
+              <a:lnRef idx="2">
+                <a:schemeClr val="accent1">
+                  <a:shade val="50000"/>
+                </a:schemeClr>
+              </a:lnRef>
+              <a:fillRef idx="1">
+                <a:schemeClr val="accent1"/>
+              </a:fillRef>
+              <a:effectRef idx="0">
+                <a:schemeClr val="accent1"/>
+              </a:effectRef>
+              <a:fontRef idx="minor">
+                <a:schemeClr val="lt1"/>
+              </a:fontRef>
+            </p:style>
+            <p:txBody>
+              <a:bodyPr rtlCol="0" anchor="ctr"/>
+              <a:lstStyle/>
+              <a:p>
+                <a:pPr algn="ctr"/>
+                <a:endParaRPr lang="en-US"/>
+              </a:p>
+            </p:txBody>
+          </p:sp>
+        </p:grpSp>
+        <p:sp>
+          <p:nvSpPr>
+            <p:cNvPr id="60" name="TextBox 59">
+              <a:extLst>
+                <a:ext uri="{FF2B5EF4-FFF2-40B4-BE49-F238E27FC236}">
+                  <a16:creationId xmlns:a16="http://schemas.microsoft.com/office/drawing/2014/main" id="{B1035B48-20FC-5042-BB34-EDA2272AFC41}"/>
+                </a:ext>
+              </a:extLst>
+            </p:cNvPr>
+            <p:cNvSpPr txBox="1"/>
+            <p:nvPr/>
+          </p:nvSpPr>
+          <p:spPr>
+            <a:xfrm>
+              <a:off x="7217608" y="2192461"/>
+              <a:ext cx="418704" cy="646331"/>
+            </a:xfrm>
+            <a:prstGeom prst="rect">
+              <a:avLst/>
+            </a:prstGeom>
+            <a:noFill/>
+          </p:spPr>
+          <p:txBody>
+            <a:bodyPr wrap="none" rtlCol="0">
+              <a:spAutoFit/>
+            </a:bodyPr>
+            <a:lstStyle/>
+            <a:p>
+              <a:r>
+                <a:rPr lang="en-US" sz="3600" dirty="0"/>
+                <a:t>2</a:t>
+              </a:r>
+            </a:p>
+          </p:txBody>
+        </p:sp>
+        <p:sp>
+          <p:nvSpPr>
+            <p:cNvPr id="61" name="TextBox 60">
+              <a:extLst>
+                <a:ext uri="{FF2B5EF4-FFF2-40B4-BE49-F238E27FC236}">
+                  <a16:creationId xmlns:a16="http://schemas.microsoft.com/office/drawing/2014/main" id="{313429DA-F90D-914E-B7AB-48F62718A14B}"/>
+                </a:ext>
+              </a:extLst>
+            </p:cNvPr>
+            <p:cNvSpPr txBox="1"/>
+            <p:nvPr/>
+          </p:nvSpPr>
+          <p:spPr>
+            <a:xfrm>
+              <a:off x="7949128" y="2192461"/>
+              <a:ext cx="418704" cy="646331"/>
+            </a:xfrm>
+            <a:prstGeom prst="rect">
+              <a:avLst/>
+            </a:prstGeom>
+            <a:noFill/>
+          </p:spPr>
+          <p:txBody>
+            <a:bodyPr wrap="none" rtlCol="0">
+              <a:spAutoFit/>
+            </a:bodyPr>
+            <a:lstStyle/>
+            <a:p>
+              <a:r>
+                <a:rPr lang="en-US" sz="3600" dirty="0"/>
+                <a:t>5</a:t>
+              </a:r>
+            </a:p>
+          </p:txBody>
+        </p:sp>
+        <p:sp>
+          <p:nvSpPr>
+            <p:cNvPr id="62" name="TextBox 61">
+              <a:extLst>
+                <a:ext uri="{FF2B5EF4-FFF2-40B4-BE49-F238E27FC236}">
+                  <a16:creationId xmlns:a16="http://schemas.microsoft.com/office/drawing/2014/main" id="{5E968044-8827-4A4B-B206-9E2C239B8003}"/>
+                </a:ext>
+              </a:extLst>
+            </p:cNvPr>
+            <p:cNvSpPr txBox="1"/>
+            <p:nvPr/>
+          </p:nvSpPr>
+          <p:spPr>
+            <a:xfrm>
+              <a:off x="8697892" y="2192461"/>
+              <a:ext cx="418704" cy="646331"/>
+            </a:xfrm>
+            <a:prstGeom prst="rect">
+              <a:avLst/>
+            </a:prstGeom>
+            <a:noFill/>
+          </p:spPr>
+          <p:txBody>
+            <a:bodyPr wrap="none" rtlCol="0">
+              <a:spAutoFit/>
+            </a:bodyPr>
+            <a:lstStyle/>
+            <a:p>
+              <a:r>
+                <a:rPr lang="en-US" sz="3600" dirty="0"/>
+                <a:t>8</a:t>
+              </a:r>
+            </a:p>
+          </p:txBody>
+        </p:sp>
+        <p:sp>
+          <p:nvSpPr>
+            <p:cNvPr id="63" name="TextBox 62">
+              <a:extLst>
+                <a:ext uri="{FF2B5EF4-FFF2-40B4-BE49-F238E27FC236}">
+                  <a16:creationId xmlns:a16="http://schemas.microsoft.com/office/drawing/2014/main" id="{39DC0D70-827A-BD4C-80BA-651F3B30F6E1}"/>
+                </a:ext>
+              </a:extLst>
+            </p:cNvPr>
+            <p:cNvSpPr txBox="1"/>
+            <p:nvPr/>
+          </p:nvSpPr>
+          <p:spPr>
+            <a:xfrm>
+              <a:off x="7217608" y="2911028"/>
+              <a:ext cx="418704" cy="646331"/>
+            </a:xfrm>
+            <a:prstGeom prst="rect">
+              <a:avLst/>
+            </a:prstGeom>
+            <a:noFill/>
+          </p:spPr>
+          <p:txBody>
+            <a:bodyPr wrap="none" rtlCol="0">
+              <a:spAutoFit/>
+            </a:bodyPr>
+            <a:lstStyle/>
+            <a:p>
+              <a:r>
+                <a:rPr lang="en-US" sz="3600" dirty="0"/>
+                <a:t>8</a:t>
+              </a:r>
+            </a:p>
+          </p:txBody>
+        </p:sp>
+        <p:sp>
+          <p:nvSpPr>
+            <p:cNvPr id="64" name="TextBox 63">
+              <a:extLst>
+                <a:ext uri="{FF2B5EF4-FFF2-40B4-BE49-F238E27FC236}">
+                  <a16:creationId xmlns:a16="http://schemas.microsoft.com/office/drawing/2014/main" id="{5F197DCE-813B-8E4E-BD86-9F7A27B09923}"/>
+                </a:ext>
+              </a:extLst>
+            </p:cNvPr>
+            <p:cNvSpPr txBox="1"/>
+            <p:nvPr/>
+          </p:nvSpPr>
+          <p:spPr>
+            <a:xfrm>
+              <a:off x="7949128" y="2911028"/>
+              <a:ext cx="418704" cy="646331"/>
+            </a:xfrm>
+            <a:prstGeom prst="rect">
+              <a:avLst/>
+            </a:prstGeom>
+            <a:noFill/>
+          </p:spPr>
+          <p:txBody>
+            <a:bodyPr wrap="none" rtlCol="0">
+              <a:spAutoFit/>
+            </a:bodyPr>
+            <a:lstStyle/>
+            <a:p>
+              <a:r>
+                <a:rPr lang="en-US" sz="3600" dirty="0"/>
+                <a:t>9</a:t>
+              </a:r>
+            </a:p>
+          </p:txBody>
+        </p:sp>
+        <p:sp>
+          <p:nvSpPr>
+            <p:cNvPr id="65" name="TextBox 64">
+              <a:extLst>
+                <a:ext uri="{FF2B5EF4-FFF2-40B4-BE49-F238E27FC236}">
+                  <a16:creationId xmlns:a16="http://schemas.microsoft.com/office/drawing/2014/main" id="{8520C7E9-0B47-7941-AA81-5EF9E8D3F174}"/>
+                </a:ext>
+              </a:extLst>
+            </p:cNvPr>
+            <p:cNvSpPr txBox="1"/>
+            <p:nvPr/>
+          </p:nvSpPr>
+          <p:spPr>
+            <a:xfrm>
+              <a:off x="8697892" y="2911028"/>
+              <a:ext cx="418704" cy="646331"/>
+            </a:xfrm>
+            <a:prstGeom prst="rect">
+              <a:avLst/>
+            </a:prstGeom>
+            <a:noFill/>
+          </p:spPr>
+          <p:txBody>
+            <a:bodyPr wrap="none" rtlCol="0">
+              <a:spAutoFit/>
+            </a:bodyPr>
+            <a:lstStyle/>
+            <a:p>
+              <a:r>
+                <a:rPr lang="en-US" sz="3600" dirty="0"/>
+                <a:t>3</a:t>
+              </a:r>
+            </a:p>
+          </p:txBody>
+        </p:sp>
+      </p:grpSp>
+      <p:grpSp>
+        <p:nvGrpSpPr>
+          <p:cNvPr id="72" name="Group 71">
+            <a:extLst>
+              <a:ext uri="{FF2B5EF4-FFF2-40B4-BE49-F238E27FC236}">
+                <a16:creationId xmlns:a16="http://schemas.microsoft.com/office/drawing/2014/main" id="{D0A64240-97C9-8743-A604-FB8928F0E9E7}"/>
+              </a:ext>
+            </a:extLst>
+          </p:cNvPr>
+          <p:cNvGrpSpPr/>
+          <p:nvPr/>
+        </p:nvGrpSpPr>
+        <p:grpSpPr>
+          <a:xfrm>
+            <a:off x="7154784" y="2839908"/>
+            <a:ext cx="2194560" cy="1463040"/>
+            <a:chOff x="7600612" y="4331474"/>
+            <a:chExt cx="2194560" cy="1463040"/>
+          </a:xfrm>
+        </p:grpSpPr>
+        <p:grpSp>
+          <p:nvGrpSpPr>
+            <p:cNvPr id="73" name="Group 72">
+              <a:extLst>
+                <a:ext uri="{FF2B5EF4-FFF2-40B4-BE49-F238E27FC236}">
+                  <a16:creationId xmlns:a16="http://schemas.microsoft.com/office/drawing/2014/main" id="{4261F594-D94F-D242-8EB5-1EDE01E4D7C2}"/>
+                </a:ext>
+              </a:extLst>
+            </p:cNvPr>
+            <p:cNvGrpSpPr/>
+            <p:nvPr/>
+          </p:nvGrpSpPr>
+          <p:grpSpPr>
+            <a:xfrm>
+              <a:off x="7600612" y="4331474"/>
+              <a:ext cx="2194560" cy="1463040"/>
+              <a:chOff x="5811520" y="3488194"/>
+              <a:chExt cx="2194560" cy="1463040"/>
+            </a:xfrm>
+            <a:solidFill>
+              <a:schemeClr val="bg1"/>
+            </a:solidFill>
+          </p:grpSpPr>
+          <p:sp>
+            <p:nvSpPr>
+              <p:cNvPr id="80" name="Rectangle 79">
+                <a:extLst>
+                  <a:ext uri="{FF2B5EF4-FFF2-40B4-BE49-F238E27FC236}">
+                    <a16:creationId xmlns:a16="http://schemas.microsoft.com/office/drawing/2014/main" id="{E6AF8597-5097-A844-8B32-ABB68E26DF39}"/>
+                  </a:ext>
+                </a:extLst>
+              </p:cNvPr>
+              <p:cNvSpPr/>
+              <p:nvPr/>
+            </p:nvSpPr>
+            <p:spPr>
+              <a:xfrm>
+                <a:off x="5811520" y="3488194"/>
+                <a:ext cx="731520" cy="731520"/>
+              </a:xfrm>
+              <a:prstGeom prst="rect">
+                <a:avLst/>
+              </a:prstGeom>
+              <a:grpFill/>
+              <a:ln w="38100">
+                <a:solidFill>
+                  <a:schemeClr val="tx1"/>
+                </a:solidFill>
+              </a:ln>
+            </p:spPr>
+            <p:style>
+              <a:lnRef idx="2">
+                <a:schemeClr val="accent1">
+                  <a:shade val="50000"/>
+                </a:schemeClr>
+              </a:lnRef>
+              <a:fillRef idx="1">
+                <a:schemeClr val="accent1"/>
+              </a:fillRef>
+              <a:effectRef idx="0">
+                <a:schemeClr val="accent1"/>
+              </a:effectRef>
+              <a:fontRef idx="minor">
+                <a:schemeClr val="lt1"/>
+              </a:fontRef>
+            </p:style>
+            <p:txBody>
+              <a:bodyPr rtlCol="0" anchor="ctr"/>
+              <a:lstStyle/>
+              <a:p>
+                <a:pPr algn="ctr"/>
+                <a:endParaRPr lang="en-US"/>
+              </a:p>
+            </p:txBody>
+          </p:sp>
+          <p:sp>
+            <p:nvSpPr>
+              <p:cNvPr id="81" name="Rectangle 80">
+                <a:extLst>
+                  <a:ext uri="{FF2B5EF4-FFF2-40B4-BE49-F238E27FC236}">
+                    <a16:creationId xmlns:a16="http://schemas.microsoft.com/office/drawing/2014/main" id="{4C948C69-D1C9-3E40-A5F9-987AB995E178}"/>
+                  </a:ext>
+                </a:extLst>
+              </p:cNvPr>
+              <p:cNvSpPr/>
+              <p:nvPr/>
+            </p:nvSpPr>
+            <p:spPr>
+              <a:xfrm>
+                <a:off x="6543040" y="3488194"/>
+                <a:ext cx="731520" cy="731520"/>
+              </a:xfrm>
+              <a:prstGeom prst="rect">
+                <a:avLst/>
+              </a:prstGeom>
+              <a:grpFill/>
+              <a:ln w="38100">
+                <a:solidFill>
+                  <a:schemeClr val="tx1"/>
+                </a:solidFill>
+              </a:ln>
+            </p:spPr>
+            <p:style>
+              <a:lnRef idx="2">
+                <a:schemeClr val="accent1">
+                  <a:shade val="50000"/>
+                </a:schemeClr>
+              </a:lnRef>
+              <a:fillRef idx="1">
+                <a:schemeClr val="accent1"/>
+              </a:fillRef>
+              <a:effectRef idx="0">
+                <a:schemeClr val="accent1"/>
+              </a:effectRef>
+              <a:fontRef idx="minor">
+                <a:schemeClr val="lt1"/>
+              </a:fontRef>
+            </p:style>
+            <p:txBody>
+              <a:bodyPr rtlCol="0" anchor="ctr"/>
+              <a:lstStyle/>
+              <a:p>
+                <a:pPr algn="ctr"/>
+                <a:endParaRPr lang="en-US"/>
+              </a:p>
+            </p:txBody>
+          </p:sp>
+          <p:sp>
+            <p:nvSpPr>
+              <p:cNvPr id="82" name="Rectangle 81">
+                <a:extLst>
+                  <a:ext uri="{FF2B5EF4-FFF2-40B4-BE49-F238E27FC236}">
+                    <a16:creationId xmlns:a16="http://schemas.microsoft.com/office/drawing/2014/main" id="{BDFB2AFB-8D95-2840-ADC0-14B4A03397BF}"/>
+                  </a:ext>
+                </a:extLst>
+              </p:cNvPr>
+              <p:cNvSpPr/>
+              <p:nvPr/>
+            </p:nvSpPr>
+            <p:spPr>
+              <a:xfrm>
+                <a:off x="7274560" y="3488194"/>
+                <a:ext cx="731520" cy="731520"/>
+              </a:xfrm>
+              <a:prstGeom prst="rect">
+                <a:avLst/>
+              </a:prstGeom>
+              <a:grpFill/>
+              <a:ln w="38100">
+                <a:solidFill>
+                  <a:schemeClr val="tx1"/>
+                </a:solidFill>
+              </a:ln>
+            </p:spPr>
+            <p:style>
+              <a:lnRef idx="2">
+                <a:schemeClr val="accent1">
+                  <a:shade val="50000"/>
+                </a:schemeClr>
+              </a:lnRef>
+              <a:fillRef idx="1">
+                <a:schemeClr val="accent1"/>
+              </a:fillRef>
+              <a:effectRef idx="0">
+                <a:schemeClr val="accent1"/>
+              </a:effectRef>
+              <a:fontRef idx="minor">
+                <a:schemeClr val="lt1"/>
+              </a:fontRef>
+            </p:style>
+            <p:txBody>
+              <a:bodyPr rtlCol="0" anchor="ctr"/>
+              <a:lstStyle/>
+              <a:p>
+                <a:pPr algn="ctr"/>
+                <a:endParaRPr lang="en-US"/>
+              </a:p>
+            </p:txBody>
+          </p:sp>
+          <p:sp>
+            <p:nvSpPr>
+              <p:cNvPr id="83" name="Rectangle 82">
+                <a:extLst>
+                  <a:ext uri="{FF2B5EF4-FFF2-40B4-BE49-F238E27FC236}">
+                    <a16:creationId xmlns:a16="http://schemas.microsoft.com/office/drawing/2014/main" id="{8495EAE3-F508-7344-AAB4-00F96BFF8F56}"/>
+                  </a:ext>
+                </a:extLst>
+              </p:cNvPr>
+              <p:cNvSpPr/>
+              <p:nvPr/>
+            </p:nvSpPr>
+            <p:spPr>
+              <a:xfrm>
+                <a:off x="5811520" y="4219714"/>
+                <a:ext cx="731520" cy="731520"/>
+              </a:xfrm>
+              <a:prstGeom prst="rect">
+                <a:avLst/>
+              </a:prstGeom>
+              <a:grpFill/>
+              <a:ln w="38100">
+                <a:solidFill>
+                  <a:schemeClr val="tx1"/>
+                </a:solidFill>
+              </a:ln>
+            </p:spPr>
+            <p:style>
+              <a:lnRef idx="2">
+                <a:schemeClr val="accent1">
+                  <a:shade val="50000"/>
+                </a:schemeClr>
+              </a:lnRef>
+              <a:fillRef idx="1">
+                <a:schemeClr val="accent1"/>
+              </a:fillRef>
+              <a:effectRef idx="0">
+                <a:schemeClr val="accent1"/>
+              </a:effectRef>
+              <a:fontRef idx="minor">
+                <a:schemeClr val="lt1"/>
+              </a:fontRef>
+            </p:style>
+            <p:txBody>
+              <a:bodyPr rtlCol="0" anchor="ctr"/>
+              <a:lstStyle/>
+              <a:p>
+                <a:pPr algn="ctr"/>
+                <a:endParaRPr lang="en-US"/>
+              </a:p>
+            </p:txBody>
+          </p:sp>
+          <p:sp>
+            <p:nvSpPr>
+              <p:cNvPr id="84" name="Rectangle 83">
+                <a:extLst>
+                  <a:ext uri="{FF2B5EF4-FFF2-40B4-BE49-F238E27FC236}">
+                    <a16:creationId xmlns:a16="http://schemas.microsoft.com/office/drawing/2014/main" id="{963CAB80-2155-6340-9A95-86E14E40A686}"/>
+                  </a:ext>
+                </a:extLst>
+              </p:cNvPr>
+              <p:cNvSpPr/>
+              <p:nvPr/>
+            </p:nvSpPr>
+            <p:spPr>
+              <a:xfrm>
+                <a:off x="6543040" y="4219714"/>
+                <a:ext cx="731520" cy="731520"/>
+              </a:xfrm>
+              <a:prstGeom prst="rect">
+                <a:avLst/>
+              </a:prstGeom>
+              <a:grpFill/>
+              <a:ln w="38100">
+                <a:solidFill>
+                  <a:schemeClr val="tx1"/>
+                </a:solidFill>
+              </a:ln>
+            </p:spPr>
+            <p:style>
+              <a:lnRef idx="2">
+                <a:schemeClr val="accent1">
+                  <a:shade val="50000"/>
+                </a:schemeClr>
+              </a:lnRef>
+              <a:fillRef idx="1">
+                <a:schemeClr val="accent1"/>
+              </a:fillRef>
+              <a:effectRef idx="0">
+                <a:schemeClr val="accent1"/>
+              </a:effectRef>
+              <a:fontRef idx="minor">
+                <a:schemeClr val="lt1"/>
+              </a:fontRef>
+            </p:style>
+            <p:txBody>
+              <a:bodyPr rtlCol="0" anchor="ctr"/>
+              <a:lstStyle/>
+              <a:p>
+                <a:pPr algn="ctr"/>
+                <a:endParaRPr lang="en-US"/>
+              </a:p>
+            </p:txBody>
+          </p:sp>
+          <p:sp>
+            <p:nvSpPr>
+              <p:cNvPr id="85" name="Rectangle 84">
+                <a:extLst>
+                  <a:ext uri="{FF2B5EF4-FFF2-40B4-BE49-F238E27FC236}">
+                    <a16:creationId xmlns:a16="http://schemas.microsoft.com/office/drawing/2014/main" id="{DFB096DC-525B-CE47-B7FB-69EC0CB755F0}"/>
+                  </a:ext>
+                </a:extLst>
+              </p:cNvPr>
+              <p:cNvSpPr/>
+              <p:nvPr/>
+            </p:nvSpPr>
+            <p:spPr>
+              <a:xfrm>
+                <a:off x="7274560" y="4219714"/>
+                <a:ext cx="731520" cy="731520"/>
+              </a:xfrm>
+              <a:prstGeom prst="rect">
+                <a:avLst/>
+              </a:prstGeom>
+              <a:grpFill/>
+              <a:ln w="38100">
+                <a:solidFill>
+                  <a:schemeClr val="tx1"/>
+                </a:solidFill>
+              </a:ln>
+            </p:spPr>
+            <p:style>
+              <a:lnRef idx="2">
+                <a:schemeClr val="accent1">
+                  <a:shade val="50000"/>
+                </a:schemeClr>
+              </a:lnRef>
+              <a:fillRef idx="1">
+                <a:schemeClr val="accent1"/>
+              </a:fillRef>
+              <a:effectRef idx="0">
+                <a:schemeClr val="accent1"/>
+              </a:effectRef>
+              <a:fontRef idx="minor">
+                <a:schemeClr val="lt1"/>
+              </a:fontRef>
+            </p:style>
+            <p:txBody>
+              <a:bodyPr rtlCol="0" anchor="ctr"/>
+              <a:lstStyle/>
+              <a:p>
+                <a:pPr algn="ctr"/>
+                <a:endParaRPr lang="en-US"/>
+              </a:p>
+            </p:txBody>
+          </p:sp>
+        </p:grpSp>
+        <p:sp>
+          <p:nvSpPr>
+            <p:cNvPr id="74" name="TextBox 73">
+              <a:extLst>
+                <a:ext uri="{FF2B5EF4-FFF2-40B4-BE49-F238E27FC236}">
+                  <a16:creationId xmlns:a16="http://schemas.microsoft.com/office/drawing/2014/main" id="{C7A02E8F-719C-B243-AD3D-0E7CADA2B74A}"/>
+                </a:ext>
+              </a:extLst>
+            </p:cNvPr>
+            <p:cNvSpPr txBox="1"/>
+            <p:nvPr/>
+          </p:nvSpPr>
+          <p:spPr>
+            <a:xfrm>
+              <a:off x="7757020" y="4387021"/>
+              <a:ext cx="418704" cy="646331"/>
+            </a:xfrm>
+            <a:prstGeom prst="rect">
+              <a:avLst/>
+            </a:prstGeom>
+            <a:noFill/>
+          </p:spPr>
+          <p:txBody>
+            <a:bodyPr wrap="none" rtlCol="0">
+              <a:spAutoFit/>
+            </a:bodyPr>
+            <a:lstStyle/>
+            <a:p>
+              <a:r>
+                <a:rPr lang="en-US" sz="3600" dirty="0"/>
+                <a:t>9</a:t>
+              </a:r>
+            </a:p>
+          </p:txBody>
+        </p:sp>
+        <p:sp>
+          <p:nvSpPr>
+            <p:cNvPr id="75" name="TextBox 74">
+              <a:extLst>
+                <a:ext uri="{FF2B5EF4-FFF2-40B4-BE49-F238E27FC236}">
+                  <a16:creationId xmlns:a16="http://schemas.microsoft.com/office/drawing/2014/main" id="{B58BABA5-F5E9-0D46-BC28-36A439745AD8}"/>
+                </a:ext>
+              </a:extLst>
+            </p:cNvPr>
+            <p:cNvSpPr txBox="1"/>
+            <p:nvPr/>
+          </p:nvSpPr>
+          <p:spPr>
+            <a:xfrm>
+              <a:off x="8488540" y="4387021"/>
+              <a:ext cx="418704" cy="646331"/>
+            </a:xfrm>
+            <a:prstGeom prst="rect">
+              <a:avLst/>
+            </a:prstGeom>
+            <a:noFill/>
+          </p:spPr>
+          <p:txBody>
+            <a:bodyPr wrap="none" rtlCol="0">
+              <a:spAutoFit/>
+            </a:bodyPr>
+            <a:lstStyle/>
+            <a:p>
+              <a:r>
+                <a:rPr lang="en-US" sz="3600" dirty="0"/>
+                <a:t>3</a:t>
+              </a:r>
+            </a:p>
+          </p:txBody>
+        </p:sp>
+        <p:sp>
+          <p:nvSpPr>
+            <p:cNvPr id="76" name="TextBox 75">
+              <a:extLst>
+                <a:ext uri="{FF2B5EF4-FFF2-40B4-BE49-F238E27FC236}">
+                  <a16:creationId xmlns:a16="http://schemas.microsoft.com/office/drawing/2014/main" id="{62C038C2-814B-934A-8417-D637736EB893}"/>
+                </a:ext>
+              </a:extLst>
+            </p:cNvPr>
+            <p:cNvSpPr txBox="1"/>
+            <p:nvPr/>
+          </p:nvSpPr>
+          <p:spPr>
+            <a:xfrm>
+              <a:off x="9237304" y="4387021"/>
+              <a:ext cx="418704" cy="646331"/>
+            </a:xfrm>
+            <a:prstGeom prst="rect">
+              <a:avLst/>
+            </a:prstGeom>
+            <a:noFill/>
+          </p:spPr>
+          <p:txBody>
+            <a:bodyPr wrap="none" rtlCol="0">
+              <a:spAutoFit/>
+            </a:bodyPr>
+            <a:lstStyle/>
+            <a:p>
+              <a:r>
+                <a:rPr lang="en-US" sz="3600" dirty="0"/>
+                <a:t>1</a:t>
+              </a:r>
+            </a:p>
+          </p:txBody>
+        </p:sp>
+        <p:sp>
+          <p:nvSpPr>
+            <p:cNvPr id="77" name="TextBox 76">
+              <a:extLst>
+                <a:ext uri="{FF2B5EF4-FFF2-40B4-BE49-F238E27FC236}">
+                  <a16:creationId xmlns:a16="http://schemas.microsoft.com/office/drawing/2014/main" id="{021559EF-E34F-DC4A-A881-3051F1A58E14}"/>
+                </a:ext>
+              </a:extLst>
+            </p:cNvPr>
+            <p:cNvSpPr txBox="1"/>
+            <p:nvPr/>
+          </p:nvSpPr>
+          <p:spPr>
+            <a:xfrm>
+              <a:off x="7757020" y="5105588"/>
+              <a:ext cx="418704" cy="646331"/>
+            </a:xfrm>
+            <a:prstGeom prst="rect">
+              <a:avLst/>
+            </a:prstGeom>
+            <a:noFill/>
+          </p:spPr>
+          <p:txBody>
+            <a:bodyPr wrap="none" rtlCol="0">
+              <a:spAutoFit/>
+            </a:bodyPr>
+            <a:lstStyle/>
+            <a:p>
+              <a:r>
+                <a:rPr lang="en-US" sz="3600" dirty="0"/>
+                <a:t>8</a:t>
+              </a:r>
+            </a:p>
+          </p:txBody>
+        </p:sp>
+        <p:sp>
+          <p:nvSpPr>
+            <p:cNvPr id="78" name="TextBox 77">
+              <a:extLst>
+                <a:ext uri="{FF2B5EF4-FFF2-40B4-BE49-F238E27FC236}">
+                  <a16:creationId xmlns:a16="http://schemas.microsoft.com/office/drawing/2014/main" id="{6D2464B4-EC87-5944-BE65-66586A9DAB1D}"/>
+                </a:ext>
+              </a:extLst>
+            </p:cNvPr>
+            <p:cNvSpPr txBox="1"/>
+            <p:nvPr/>
+          </p:nvSpPr>
+          <p:spPr>
+            <a:xfrm>
+              <a:off x="8488540" y="5105588"/>
+              <a:ext cx="418704" cy="646331"/>
+            </a:xfrm>
+            <a:prstGeom prst="rect">
+              <a:avLst/>
+            </a:prstGeom>
+            <a:noFill/>
+          </p:spPr>
+          <p:txBody>
+            <a:bodyPr wrap="none" rtlCol="0">
+              <a:spAutoFit/>
+            </a:bodyPr>
+            <a:lstStyle/>
+            <a:p>
+              <a:r>
+                <a:rPr lang="en-US" sz="3600" dirty="0"/>
+                <a:t>5</a:t>
+              </a:r>
+            </a:p>
+          </p:txBody>
+        </p:sp>
+        <p:sp>
+          <p:nvSpPr>
+            <p:cNvPr id="79" name="TextBox 78">
+              <a:extLst>
+                <a:ext uri="{FF2B5EF4-FFF2-40B4-BE49-F238E27FC236}">
+                  <a16:creationId xmlns:a16="http://schemas.microsoft.com/office/drawing/2014/main" id="{91BAC360-7364-3C4D-AA38-2C7F68F5C482}"/>
+                </a:ext>
+              </a:extLst>
+            </p:cNvPr>
+            <p:cNvSpPr txBox="1"/>
+            <p:nvPr/>
+          </p:nvSpPr>
+          <p:spPr>
+            <a:xfrm>
+              <a:off x="9237304" y="5105588"/>
+              <a:ext cx="418704" cy="646331"/>
+            </a:xfrm>
+            <a:prstGeom prst="rect">
+              <a:avLst/>
+            </a:prstGeom>
+            <a:noFill/>
+          </p:spPr>
+          <p:txBody>
+            <a:bodyPr wrap="none" rtlCol="0">
+              <a:spAutoFit/>
+            </a:bodyPr>
+            <a:lstStyle/>
+            <a:p>
+              <a:r>
+                <a:rPr lang="en-US" sz="3600" dirty="0"/>
+                <a:t>2</a:t>
+              </a:r>
+            </a:p>
+          </p:txBody>
+        </p:sp>
+      </p:grpSp>
+      <p:grpSp>
+        <p:nvGrpSpPr>
+          <p:cNvPr id="86" name="Group 85">
+            <a:extLst>
+              <a:ext uri="{FF2B5EF4-FFF2-40B4-BE49-F238E27FC236}">
+                <a16:creationId xmlns:a16="http://schemas.microsoft.com/office/drawing/2014/main" id="{85B87406-E473-764A-9E17-5EA3488C0D64}"/>
+              </a:ext>
+            </a:extLst>
+          </p:cNvPr>
+          <p:cNvGrpSpPr/>
+          <p:nvPr/>
+        </p:nvGrpSpPr>
+        <p:grpSpPr>
+          <a:xfrm>
+            <a:off x="6803192" y="3356114"/>
+            <a:ext cx="2194560" cy="1463040"/>
+            <a:chOff x="5811520" y="3488194"/>
+            <a:chExt cx="2194560" cy="1463040"/>
+          </a:xfrm>
+          <a:solidFill>
+            <a:schemeClr val="bg1"/>
+          </a:solidFill>
+        </p:grpSpPr>
+        <p:sp>
+          <p:nvSpPr>
+            <p:cNvPr id="87" name="Rectangle 86">
+              <a:extLst>
+                <a:ext uri="{FF2B5EF4-FFF2-40B4-BE49-F238E27FC236}">
+                  <a16:creationId xmlns:a16="http://schemas.microsoft.com/office/drawing/2014/main" id="{EB5B614B-E144-5846-816C-94CAF0C1C028}"/>
+                </a:ext>
+              </a:extLst>
+            </p:cNvPr>
+            <p:cNvSpPr/>
+            <p:nvPr/>
+          </p:nvSpPr>
+          <p:spPr>
+            <a:xfrm>
+              <a:off x="5811520" y="3488194"/>
+              <a:ext cx="731520" cy="731520"/>
+            </a:xfrm>
+            <a:prstGeom prst="rect">
+              <a:avLst/>
+            </a:prstGeom>
+            <a:grpFill/>
+            <a:ln w="38100">
+              <a:solidFill>
+                <a:schemeClr val="tx1"/>
+              </a:solidFill>
+            </a:ln>
+          </p:spPr>
+          <p:style>
+            <a:lnRef idx="2">
+              <a:schemeClr val="accent1">
+                <a:shade val="50000"/>
+              </a:schemeClr>
+            </a:lnRef>
+            <a:fillRef idx="1">
+              <a:schemeClr val="accent1"/>
+            </a:fillRef>
+            <a:effectRef idx="0">
+              <a:schemeClr val="accent1"/>
+            </a:effectRef>
+            <a:fontRef idx="minor">
+              <a:schemeClr val="lt1"/>
+            </a:fontRef>
+          </p:style>
+          <p:txBody>
+            <a:bodyPr rtlCol="0" anchor="ctr"/>
+            <a:lstStyle/>
+            <a:p>
+              <a:pPr algn="ctr"/>
+              <a:endParaRPr lang="en-US"/>
+            </a:p>
+          </p:txBody>
+        </p:sp>
+        <p:sp>
+          <p:nvSpPr>
+            <p:cNvPr id="88" name="Rectangle 87">
+              <a:extLst>
+                <a:ext uri="{FF2B5EF4-FFF2-40B4-BE49-F238E27FC236}">
+                  <a16:creationId xmlns:a16="http://schemas.microsoft.com/office/drawing/2014/main" id="{BF2424CC-B684-B54C-9F15-5F5DF27C59D1}"/>
+                </a:ext>
+              </a:extLst>
+            </p:cNvPr>
+            <p:cNvSpPr/>
+            <p:nvPr/>
+          </p:nvSpPr>
+          <p:spPr>
+            <a:xfrm>
+              <a:off x="6543040" y="3488194"/>
+              <a:ext cx="731520" cy="731520"/>
+            </a:xfrm>
+            <a:prstGeom prst="rect">
+              <a:avLst/>
+            </a:prstGeom>
+            <a:grpFill/>
+            <a:ln w="38100">
+              <a:solidFill>
+                <a:schemeClr val="tx1"/>
+              </a:solidFill>
+            </a:ln>
+          </p:spPr>
+          <p:style>
+            <a:lnRef idx="2">
+              <a:schemeClr val="accent1">
+                <a:shade val="50000"/>
+              </a:schemeClr>
+            </a:lnRef>
+            <a:fillRef idx="1">
+              <a:schemeClr val="accent1"/>
+            </a:fillRef>
+            <a:effectRef idx="0">
+              <a:schemeClr val="accent1"/>
+            </a:effectRef>
+            <a:fontRef idx="minor">
+              <a:schemeClr val="lt1"/>
+            </a:fontRef>
+          </p:style>
+          <p:txBody>
+            <a:bodyPr rtlCol="0" anchor="ctr"/>
+            <a:lstStyle/>
+            <a:p>
+              <a:pPr algn="ctr"/>
+              <a:endParaRPr lang="en-US"/>
+            </a:p>
+          </p:txBody>
+        </p:sp>
+        <p:sp>
+          <p:nvSpPr>
+            <p:cNvPr id="90" name="Rectangle 89">
+              <a:extLst>
+                <a:ext uri="{FF2B5EF4-FFF2-40B4-BE49-F238E27FC236}">
+                  <a16:creationId xmlns:a16="http://schemas.microsoft.com/office/drawing/2014/main" id="{DE37BF33-083D-4C47-8BB4-D227F0712B74}"/>
+                </a:ext>
+              </a:extLst>
+            </p:cNvPr>
+            <p:cNvSpPr/>
+            <p:nvPr/>
+          </p:nvSpPr>
+          <p:spPr>
+            <a:xfrm>
+              <a:off x="5811520" y="4219714"/>
+              <a:ext cx="731520" cy="731520"/>
+            </a:xfrm>
+            <a:prstGeom prst="rect">
+              <a:avLst/>
+            </a:prstGeom>
+            <a:grpFill/>
+            <a:ln w="38100">
+              <a:solidFill>
+                <a:schemeClr val="tx1"/>
+              </a:solidFill>
+            </a:ln>
+          </p:spPr>
+          <p:style>
+            <a:lnRef idx="2">
+              <a:schemeClr val="accent1">
+                <a:shade val="50000"/>
+              </a:schemeClr>
+            </a:lnRef>
+            <a:fillRef idx="1">
+              <a:schemeClr val="accent1"/>
+            </a:fillRef>
+            <a:effectRef idx="0">
+              <a:schemeClr val="accent1"/>
+            </a:effectRef>
+            <a:fontRef idx="minor">
+              <a:schemeClr val="lt1"/>
+            </a:fontRef>
+          </p:style>
+          <p:txBody>
+            <a:bodyPr rtlCol="0" anchor="ctr"/>
+            <a:lstStyle/>
+            <a:p>
+              <a:pPr algn="ctr"/>
+              <a:endParaRPr lang="en-US"/>
+            </a:p>
+          </p:txBody>
+        </p:sp>
+        <p:sp>
+          <p:nvSpPr>
+            <p:cNvPr id="91" name="Rectangle 90">
+              <a:extLst>
+                <a:ext uri="{FF2B5EF4-FFF2-40B4-BE49-F238E27FC236}">
+                  <a16:creationId xmlns:a16="http://schemas.microsoft.com/office/drawing/2014/main" id="{072CD6DA-08AB-CD42-BD67-D0FA41C924CE}"/>
+                </a:ext>
+              </a:extLst>
+            </p:cNvPr>
+            <p:cNvSpPr/>
+            <p:nvPr/>
+          </p:nvSpPr>
+          <p:spPr>
+            <a:xfrm>
+              <a:off x="6543040" y="4219714"/>
+              <a:ext cx="731520" cy="731520"/>
+            </a:xfrm>
+            <a:prstGeom prst="rect">
+              <a:avLst/>
+            </a:prstGeom>
+            <a:grpFill/>
+            <a:ln w="38100">
+              <a:solidFill>
+                <a:schemeClr val="tx1"/>
+              </a:solidFill>
+            </a:ln>
+          </p:spPr>
+          <p:style>
+            <a:lnRef idx="2">
+              <a:schemeClr val="accent1">
+                <a:shade val="50000"/>
+              </a:schemeClr>
+            </a:lnRef>
+            <a:fillRef idx="1">
+              <a:schemeClr val="accent1"/>
+            </a:fillRef>
+            <a:effectRef idx="0">
+              <a:schemeClr val="accent1"/>
+            </a:effectRef>
+            <a:fontRef idx="minor">
+              <a:schemeClr val="lt1"/>
+            </a:fontRef>
+          </p:style>
+          <p:txBody>
+            <a:bodyPr rtlCol="0" anchor="ctr"/>
+            <a:lstStyle/>
+            <a:p>
+              <a:pPr algn="ctr"/>
+              <a:endParaRPr lang="en-US"/>
+            </a:p>
+          </p:txBody>
+        </p:sp>
+        <p:sp>
+          <p:nvSpPr>
+            <p:cNvPr id="92" name="Rectangle 91">
+              <a:extLst>
+                <a:ext uri="{FF2B5EF4-FFF2-40B4-BE49-F238E27FC236}">
+                  <a16:creationId xmlns:a16="http://schemas.microsoft.com/office/drawing/2014/main" id="{E0C22D14-B94E-D540-98B6-AA256740C71D}"/>
+                </a:ext>
+              </a:extLst>
+            </p:cNvPr>
+            <p:cNvSpPr/>
+            <p:nvPr/>
+          </p:nvSpPr>
+          <p:spPr>
+            <a:xfrm>
+              <a:off x="7274560" y="4219714"/>
+              <a:ext cx="731520" cy="731520"/>
+            </a:xfrm>
+            <a:prstGeom prst="rect">
+              <a:avLst/>
+            </a:prstGeom>
+            <a:grpFill/>
+            <a:ln w="38100">
+              <a:solidFill>
+                <a:schemeClr val="tx1"/>
+              </a:solidFill>
+            </a:ln>
+          </p:spPr>
+          <p:style>
+            <a:lnRef idx="2">
+              <a:schemeClr val="accent1">
+                <a:shade val="50000"/>
+              </a:schemeClr>
+            </a:lnRef>
+            <a:fillRef idx="1">
+              <a:schemeClr val="accent1"/>
+            </a:fillRef>
+            <a:effectRef idx="0">
+              <a:schemeClr val="accent1"/>
+            </a:effectRef>
+            <a:fontRef idx="minor">
+              <a:schemeClr val="lt1"/>
+            </a:fontRef>
+          </p:style>
+          <p:txBody>
+            <a:bodyPr rtlCol="0" anchor="ctr"/>
+            <a:lstStyle/>
+            <a:p>
+              <a:pPr algn="ctr"/>
+              <a:endParaRPr lang="en-US"/>
+            </a:p>
+          </p:txBody>
+        </p:sp>
+        <p:sp>
+          <p:nvSpPr>
+            <p:cNvPr id="89" name="Rectangle 88">
+              <a:extLst>
+                <a:ext uri="{FF2B5EF4-FFF2-40B4-BE49-F238E27FC236}">
+                  <a16:creationId xmlns:a16="http://schemas.microsoft.com/office/drawing/2014/main" id="{450D7B91-81FA-6642-A491-9652F05C4398}"/>
+                </a:ext>
+              </a:extLst>
+            </p:cNvPr>
+            <p:cNvSpPr/>
+            <p:nvPr/>
+          </p:nvSpPr>
+          <p:spPr>
+            <a:xfrm>
+              <a:off x="7274560" y="3488194"/>
+              <a:ext cx="731520" cy="731520"/>
+            </a:xfrm>
+            <a:prstGeom prst="rect">
+              <a:avLst/>
+            </a:prstGeom>
+            <a:grpFill/>
+            <a:ln w="38100">
+              <a:solidFill>
+                <a:srgbClr val="FF0000"/>
+              </a:solidFill>
+            </a:ln>
+          </p:spPr>
+          <p:style>
+            <a:lnRef idx="2">
+              <a:schemeClr val="accent1">
+                <a:shade val="50000"/>
+              </a:schemeClr>
+            </a:lnRef>
+            <a:fillRef idx="1">
+              <a:schemeClr val="accent1"/>
+            </a:fillRef>
+            <a:effectRef idx="0">
+              <a:schemeClr val="accent1"/>
+            </a:effectRef>
+            <a:fontRef idx="minor">
+              <a:schemeClr val="lt1"/>
+            </a:fontRef>
+          </p:style>
+          <p:txBody>
+            <a:bodyPr rtlCol="0" anchor="ctr"/>
+            <a:lstStyle/>
+            <a:p>
+              <a:pPr algn="ctr"/>
+              <a:endParaRPr lang="en-US"/>
+            </a:p>
+          </p:txBody>
+        </p:sp>
+      </p:grpSp>
+      <p:sp>
+        <p:nvSpPr>
+          <p:cNvPr id="93" name="TextBox 92">
+            <a:extLst>
+              <a:ext uri="{FF2B5EF4-FFF2-40B4-BE49-F238E27FC236}">
+                <a16:creationId xmlns:a16="http://schemas.microsoft.com/office/drawing/2014/main" id="{86F4FE45-EC08-1F4B-A103-04DC5D8FFB74}"/>
+              </a:ext>
+            </a:extLst>
+          </p:cNvPr>
+          <p:cNvSpPr txBox="1"/>
+          <p:nvPr/>
+        </p:nvSpPr>
+        <p:spPr>
+          <a:xfrm>
+            <a:off x="6959600" y="3411661"/>
+            <a:ext cx="418704" cy="646331"/>
+          </a:xfrm>
+          <a:prstGeom prst="rect">
+            <a:avLst/>
+          </a:prstGeom>
+          <a:noFill/>
+        </p:spPr>
+        <p:txBody>
+          <a:bodyPr wrap="none" rtlCol="0">
+            <a:spAutoFit/>
+          </a:bodyPr>
+          <a:lstStyle/>
+          <a:p>
+            <a:r>
+              <a:rPr lang="en-US" sz="3600" dirty="0"/>
+              <a:t>1</a:t>
+            </a:r>
+          </a:p>
+        </p:txBody>
+      </p:sp>
+      <p:sp>
+        <p:nvSpPr>
+          <p:cNvPr id="94" name="TextBox 93">
+            <a:extLst>
+              <a:ext uri="{FF2B5EF4-FFF2-40B4-BE49-F238E27FC236}">
+                <a16:creationId xmlns:a16="http://schemas.microsoft.com/office/drawing/2014/main" id="{E1565481-66E6-D84B-BC93-AC817FC16FE2}"/>
+              </a:ext>
+            </a:extLst>
+          </p:cNvPr>
+          <p:cNvSpPr txBox="1"/>
+          <p:nvPr/>
+        </p:nvSpPr>
+        <p:spPr>
+          <a:xfrm>
+            <a:off x="7691120" y="3411661"/>
+            <a:ext cx="418704" cy="646331"/>
+          </a:xfrm>
+          <a:prstGeom prst="rect">
+            <a:avLst/>
+          </a:prstGeom>
+          <a:noFill/>
+        </p:spPr>
+        <p:txBody>
+          <a:bodyPr wrap="none" rtlCol="0">
+            <a:spAutoFit/>
+          </a:bodyPr>
+          <a:lstStyle/>
+          <a:p>
+            <a:r>
+              <a:rPr lang="en-US" sz="3600" dirty="0"/>
+              <a:t>7</a:t>
+            </a:r>
+          </a:p>
+        </p:txBody>
+      </p:sp>
+      <p:sp>
+        <p:nvSpPr>
+          <p:cNvPr id="95" name="TextBox 94">
+            <a:extLst>
+              <a:ext uri="{FF2B5EF4-FFF2-40B4-BE49-F238E27FC236}">
+                <a16:creationId xmlns:a16="http://schemas.microsoft.com/office/drawing/2014/main" id="{913DBDC1-0518-AC45-B7A3-BB6F41EB2B92}"/>
+              </a:ext>
+            </a:extLst>
+          </p:cNvPr>
+          <p:cNvSpPr txBox="1"/>
+          <p:nvPr/>
+        </p:nvSpPr>
+        <p:spPr>
+          <a:xfrm>
+            <a:off x="8439884" y="3411661"/>
+            <a:ext cx="418704" cy="646331"/>
+          </a:xfrm>
+          <a:prstGeom prst="rect">
+            <a:avLst/>
+          </a:prstGeom>
+          <a:noFill/>
+        </p:spPr>
+        <p:txBody>
+          <a:bodyPr wrap="none" rtlCol="0">
+            <a:spAutoFit/>
+          </a:bodyPr>
+          <a:lstStyle/>
+          <a:p>
+            <a:r>
+              <a:rPr lang="en-US" sz="3600" dirty="0"/>
+              <a:t>2</a:t>
+            </a:r>
+          </a:p>
+        </p:txBody>
+      </p:sp>
+      <p:sp>
+        <p:nvSpPr>
+          <p:cNvPr id="96" name="TextBox 95">
+            <a:extLst>
+              <a:ext uri="{FF2B5EF4-FFF2-40B4-BE49-F238E27FC236}">
+                <a16:creationId xmlns:a16="http://schemas.microsoft.com/office/drawing/2014/main" id="{23408CC5-5326-2643-8C53-F3DB139C7FE2}"/>
+              </a:ext>
+            </a:extLst>
+          </p:cNvPr>
+          <p:cNvSpPr txBox="1"/>
+          <p:nvPr/>
+        </p:nvSpPr>
+        <p:spPr>
+          <a:xfrm>
+            <a:off x="6959600" y="4130228"/>
+            <a:ext cx="418704" cy="646331"/>
+          </a:xfrm>
+          <a:prstGeom prst="rect">
+            <a:avLst/>
+          </a:prstGeom>
+          <a:noFill/>
+        </p:spPr>
+        <p:txBody>
+          <a:bodyPr wrap="none" rtlCol="0">
+            <a:spAutoFit/>
+          </a:bodyPr>
+          <a:lstStyle/>
+          <a:p>
+            <a:r>
+              <a:rPr lang="en-US" sz="3600" dirty="0"/>
+              <a:t>9</a:t>
+            </a:r>
+          </a:p>
+        </p:txBody>
+      </p:sp>
+      <p:sp>
+        <p:nvSpPr>
+          <p:cNvPr id="97" name="TextBox 96">
+            <a:extLst>
+              <a:ext uri="{FF2B5EF4-FFF2-40B4-BE49-F238E27FC236}">
+                <a16:creationId xmlns:a16="http://schemas.microsoft.com/office/drawing/2014/main" id="{30AA0162-EF93-DF40-AB1D-139E7F36B087}"/>
+              </a:ext>
+            </a:extLst>
+          </p:cNvPr>
+          <p:cNvSpPr txBox="1"/>
+          <p:nvPr/>
+        </p:nvSpPr>
+        <p:spPr>
+          <a:xfrm>
+            <a:off x="7691120" y="4130228"/>
+            <a:ext cx="418704" cy="646331"/>
+          </a:xfrm>
+          <a:prstGeom prst="rect">
+            <a:avLst/>
+          </a:prstGeom>
+          <a:noFill/>
+        </p:spPr>
+        <p:txBody>
+          <a:bodyPr wrap="none" rtlCol="0">
+            <a:spAutoFit/>
+          </a:bodyPr>
+          <a:lstStyle/>
+          <a:p>
+            <a:r>
+              <a:rPr lang="en-US" sz="3600" dirty="0"/>
+              <a:t>6</a:t>
+            </a:r>
+          </a:p>
+        </p:txBody>
+      </p:sp>
+      <p:sp>
+        <p:nvSpPr>
+          <p:cNvPr id="98" name="TextBox 97">
+            <a:extLst>
+              <a:ext uri="{FF2B5EF4-FFF2-40B4-BE49-F238E27FC236}">
+                <a16:creationId xmlns:a16="http://schemas.microsoft.com/office/drawing/2014/main" id="{258A411F-AAD1-524A-9B41-0F05F6B49C50}"/>
+              </a:ext>
+            </a:extLst>
+          </p:cNvPr>
+          <p:cNvSpPr txBox="1"/>
+          <p:nvPr/>
+        </p:nvSpPr>
+        <p:spPr>
+          <a:xfrm>
+            <a:off x="8439884" y="4130228"/>
+            <a:ext cx="418704" cy="646331"/>
+          </a:xfrm>
+          <a:prstGeom prst="rect">
+            <a:avLst/>
+          </a:prstGeom>
+          <a:noFill/>
+        </p:spPr>
+        <p:txBody>
+          <a:bodyPr wrap="none" rtlCol="0">
+            <a:spAutoFit/>
+          </a:bodyPr>
+          <a:lstStyle/>
+          <a:p>
+            <a:r>
+              <a:rPr lang="en-US" sz="3600" dirty="0"/>
+              <a:t>0</a:t>
+            </a:r>
+          </a:p>
+        </p:txBody>
+      </p:sp>
+      <p:sp>
+        <p:nvSpPr>
+          <p:cNvPr id="99" name="TextBox 98">
+            <a:extLst>
+              <a:ext uri="{FF2B5EF4-FFF2-40B4-BE49-F238E27FC236}">
+                <a16:creationId xmlns:a16="http://schemas.microsoft.com/office/drawing/2014/main" id="{425A2716-A95B-3B41-A561-B4E30129DE52}"/>
+              </a:ext>
+            </a:extLst>
+          </p:cNvPr>
+          <p:cNvSpPr txBox="1"/>
+          <p:nvPr/>
+        </p:nvSpPr>
+        <p:spPr>
+          <a:xfrm>
+            <a:off x="3337560" y="5388863"/>
+            <a:ext cx="6167260" cy="1200329"/>
+          </a:xfrm>
+          <a:prstGeom prst="rect">
+            <a:avLst/>
+          </a:prstGeom>
+          <a:noFill/>
+        </p:spPr>
+        <p:txBody>
+          <a:bodyPr wrap="square" rtlCol="0">
+            <a:spAutoFit/>
+          </a:bodyPr>
+          <a:lstStyle/>
+          <a:p>
+            <a:r>
+              <a:rPr lang="en-US" sz="3600" dirty="0">
+                <a:solidFill>
+                  <a:srgbClr val="FF0000"/>
+                </a:solidFill>
+              </a:rPr>
+              <a:t>These are also adjacent</a:t>
+            </a:r>
+          </a:p>
+          <a:p>
+            <a:endParaRPr lang="en-US" sz="3600" dirty="0"/>
+          </a:p>
+        </p:txBody>
+      </p:sp>
+    </p:spTree>
+    <p:extLst>
+      <p:ext uri="{BB962C8B-B14F-4D97-AF65-F5344CB8AC3E}">
+        <p14:creationId xmlns:p14="http://schemas.microsoft.com/office/powerpoint/2010/main" val="1201990332"/>
+      </p:ext>
+    </p:extLst>
+  </p:cSld>
+  <p:clrMapOvr>
+    <a:masterClrMapping/>
+  </p:clrMapOvr>
+</p:sld>
+</file>
+
+<file path=ppt/slides/slide8.xml><?xml version="1.0" encoding="utf-8"?>
+<p:sld xmlns:a="http://schemas.openxmlformats.org/drawingml/2006/main" xmlns:r="http://schemas.openxmlformats.org/officeDocument/2006/relationships" xmlns:p="http://schemas.openxmlformats.org/presentationml/2006/main">
+  <p:cSld>
+    <p:spTree>
+      <p:nvGrpSpPr>
+        <p:cNvPr id="1" name=""/>
+        <p:cNvGrpSpPr/>
+        <p:nvPr/>
+      </p:nvGrpSpPr>
+      <p:grpSpPr>
+        <a:xfrm>
+          <a:off x="0" y="0"/>
+          <a:ext cx="0" cy="0"/>
+          <a:chOff x="0" y="0"/>
+          <a:chExt cx="0" cy="0"/>
+        </a:xfrm>
+      </p:grpSpPr>
       <p:sp>
         <p:nvSpPr>
           <p:cNvPr id="2" name="Title 1">
@@ -17023,6 +20528,1192 @@
 </p:sld>
 </file>
 
+<file path=ppt/slides/slide9.xml><?xml version="1.0" encoding="utf-8"?>
+<p:sld xmlns:a="http://schemas.openxmlformats.org/drawingml/2006/main" xmlns:r="http://schemas.openxmlformats.org/officeDocument/2006/relationships" xmlns:p="http://schemas.openxmlformats.org/presentationml/2006/main">
+  <p:cSld>
+    <p:spTree>
+      <p:nvGrpSpPr>
+        <p:cNvPr id="1" name=""/>
+        <p:cNvGrpSpPr/>
+        <p:nvPr/>
+      </p:nvGrpSpPr>
+      <p:grpSpPr>
+        <a:xfrm>
+          <a:off x="0" y="0"/>
+          <a:ext cx="0" cy="0"/>
+          <a:chOff x="0" y="0"/>
+          <a:chExt cx="0" cy="0"/>
+        </a:xfrm>
+      </p:grpSpPr>
+      <p:sp>
+        <p:nvSpPr>
+          <p:cNvPr id="2" name="Title 1">
+            <a:extLst>
+              <a:ext uri="{FF2B5EF4-FFF2-40B4-BE49-F238E27FC236}">
+                <a16:creationId xmlns:a16="http://schemas.microsoft.com/office/drawing/2014/main" id="{8F36ABF1-36E1-484E-8B21-11EDC773D1BC}"/>
+              </a:ext>
+            </a:extLst>
+          </p:cNvPr>
+          <p:cNvSpPr>
+            <a:spLocks noGrp="1"/>
+          </p:cNvSpPr>
+          <p:nvPr>
+            <p:ph type="title"/>
+          </p:nvPr>
+        </p:nvSpPr>
+        <p:spPr>
+          <a:xfrm>
+            <a:off x="889000" y="0"/>
+            <a:ext cx="10515600" cy="1325563"/>
+          </a:xfrm>
+        </p:spPr>
+        <p:txBody>
+          <a:bodyPr/>
+          <a:lstStyle/>
+          <a:p>
+            <a:pPr algn="ctr"/>
+            <a:r>
+              <a:rPr lang="en-US" dirty="0"/>
+              <a:t>Grayscale images are 2D arrays</a:t>
+            </a:r>
+          </a:p>
+        </p:txBody>
+      </p:sp>
+      <p:pic>
+        <p:nvPicPr>
+          <p:cNvPr id="4" name="Picture 3">
+            <a:extLst>
+              <a:ext uri="{FF2B5EF4-FFF2-40B4-BE49-F238E27FC236}">
+                <a16:creationId xmlns:a16="http://schemas.microsoft.com/office/drawing/2014/main" id="{3B557487-48EB-2C49-BFD2-4C63EC38FF89}"/>
+              </a:ext>
+            </a:extLst>
+          </p:cNvPr>
+          <p:cNvPicPr>
+            <a:picLocks noChangeAspect="1"/>
+          </p:cNvPicPr>
+          <p:nvPr/>
+        </p:nvPicPr>
+        <p:blipFill>
+          <a:blip r:embed="rId2"/>
+          <a:stretch>
+            <a:fillRect/>
+          </a:stretch>
+        </p:blipFill>
+        <p:spPr>
+          <a:xfrm>
+            <a:off x="1079500" y="2555240"/>
+            <a:ext cx="1977390" cy="2636520"/>
+          </a:xfrm>
+          <a:prstGeom prst="rect">
+            <a:avLst/>
+          </a:prstGeom>
+        </p:spPr>
+      </p:pic>
+      <p:cxnSp>
+        <p:nvCxnSpPr>
+          <p:cNvPr id="8" name="Straight Connector 7">
+            <a:extLst>
+              <a:ext uri="{FF2B5EF4-FFF2-40B4-BE49-F238E27FC236}">
+                <a16:creationId xmlns:a16="http://schemas.microsoft.com/office/drawing/2014/main" id="{1FB44154-8141-D141-BC6E-6FB9D2BF88D8}"/>
+              </a:ext>
+            </a:extLst>
+          </p:cNvPr>
+          <p:cNvCxnSpPr/>
+          <p:nvPr/>
+        </p:nvCxnSpPr>
+        <p:spPr>
+          <a:xfrm flipV="1">
+            <a:off x="2540000" y="1981200"/>
+            <a:ext cx="5527040" cy="1168400"/>
+          </a:xfrm>
+          <a:prstGeom prst="line">
+            <a:avLst/>
+          </a:prstGeom>
+          <a:ln w="38100">
+            <a:solidFill>
+              <a:schemeClr val="tx1"/>
+            </a:solidFill>
+          </a:ln>
+        </p:spPr>
+        <p:style>
+          <a:lnRef idx="1">
+            <a:schemeClr val="accent1"/>
+          </a:lnRef>
+          <a:fillRef idx="0">
+            <a:schemeClr val="accent1"/>
+          </a:fillRef>
+          <a:effectRef idx="0">
+            <a:schemeClr val="accent1"/>
+          </a:effectRef>
+          <a:fontRef idx="minor">
+            <a:schemeClr val="tx1"/>
+          </a:fontRef>
+        </p:style>
+      </p:cxnSp>
+      <p:cxnSp>
+        <p:nvCxnSpPr>
+          <p:cNvPr id="99" name="Straight Connector 98">
+            <a:extLst>
+              <a:ext uri="{FF2B5EF4-FFF2-40B4-BE49-F238E27FC236}">
+                <a16:creationId xmlns:a16="http://schemas.microsoft.com/office/drawing/2014/main" id="{4965DDC3-F2CF-204C-B916-3210390ECB7F}"/>
+              </a:ext>
+            </a:extLst>
+          </p:cNvPr>
+          <p:cNvCxnSpPr>
+            <a:cxnSpLocks/>
+          </p:cNvCxnSpPr>
+          <p:nvPr/>
+        </p:nvCxnSpPr>
+        <p:spPr>
+          <a:xfrm>
+            <a:off x="2540000" y="3149600"/>
+            <a:ext cx="5521960" cy="980440"/>
+          </a:xfrm>
+          <a:prstGeom prst="line">
+            <a:avLst/>
+          </a:prstGeom>
+          <a:ln w="38100">
+            <a:solidFill>
+              <a:schemeClr val="tx1"/>
+            </a:solidFill>
+          </a:ln>
+        </p:spPr>
+        <p:style>
+          <a:lnRef idx="1">
+            <a:schemeClr val="accent1"/>
+          </a:lnRef>
+          <a:fillRef idx="0">
+            <a:schemeClr val="accent1"/>
+          </a:fillRef>
+          <a:effectRef idx="0">
+            <a:schemeClr val="accent1"/>
+          </a:effectRef>
+          <a:fontRef idx="minor">
+            <a:schemeClr val="tx1"/>
+          </a:fontRef>
+        </p:style>
+      </p:cxnSp>
+      <p:grpSp>
+        <p:nvGrpSpPr>
+          <p:cNvPr id="16" name="Group 15">
+            <a:extLst>
+              <a:ext uri="{FF2B5EF4-FFF2-40B4-BE49-F238E27FC236}">
+                <a16:creationId xmlns:a16="http://schemas.microsoft.com/office/drawing/2014/main" id="{C59E6797-1A85-9340-B08E-514C235BAD0D}"/>
+              </a:ext>
+            </a:extLst>
+          </p:cNvPr>
+          <p:cNvGrpSpPr/>
+          <p:nvPr/>
+        </p:nvGrpSpPr>
+        <p:grpSpPr>
+          <a:xfrm>
+            <a:off x="8064500" y="1981200"/>
+            <a:ext cx="2197100" cy="2194560"/>
+            <a:chOff x="8064500" y="1981200"/>
+            <a:chExt cx="2197100" cy="2194560"/>
+          </a:xfrm>
+        </p:grpSpPr>
+        <p:sp>
+          <p:nvSpPr>
+            <p:cNvPr id="101" name="Rectangle 100">
+              <a:extLst>
+                <a:ext uri="{FF2B5EF4-FFF2-40B4-BE49-F238E27FC236}">
+                  <a16:creationId xmlns:a16="http://schemas.microsoft.com/office/drawing/2014/main" id="{5B51CA57-397E-0B43-8088-56AE5FDDD39C}"/>
+                </a:ext>
+              </a:extLst>
+            </p:cNvPr>
+            <p:cNvSpPr/>
+            <p:nvPr/>
+          </p:nvSpPr>
+          <p:spPr>
+            <a:xfrm>
+              <a:off x="8067040" y="1981200"/>
+              <a:ext cx="731520" cy="731520"/>
+            </a:xfrm>
+            <a:prstGeom prst="rect">
+              <a:avLst/>
+            </a:prstGeom>
+            <a:solidFill>
+              <a:schemeClr val="tx1">
+                <a:lumMod val="85000"/>
+              </a:schemeClr>
+            </a:solidFill>
+            <a:ln w="38100">
+              <a:solidFill>
+                <a:schemeClr val="tx1"/>
+              </a:solidFill>
+            </a:ln>
+          </p:spPr>
+          <p:style>
+            <a:lnRef idx="2">
+              <a:schemeClr val="accent1">
+                <a:shade val="50000"/>
+              </a:schemeClr>
+            </a:lnRef>
+            <a:fillRef idx="1">
+              <a:schemeClr val="accent1"/>
+            </a:fillRef>
+            <a:effectRef idx="0">
+              <a:schemeClr val="accent1"/>
+            </a:effectRef>
+            <a:fontRef idx="minor">
+              <a:schemeClr val="lt1"/>
+            </a:fontRef>
+          </p:style>
+          <p:txBody>
+            <a:bodyPr rtlCol="0" anchor="ctr"/>
+            <a:lstStyle/>
+            <a:p>
+              <a:pPr algn="ctr"/>
+              <a:endParaRPr lang="en-US" dirty="0"/>
+            </a:p>
+          </p:txBody>
+        </p:sp>
+        <p:sp>
+          <p:nvSpPr>
+            <p:cNvPr id="102" name="Rectangle 101">
+              <a:extLst>
+                <a:ext uri="{FF2B5EF4-FFF2-40B4-BE49-F238E27FC236}">
+                  <a16:creationId xmlns:a16="http://schemas.microsoft.com/office/drawing/2014/main" id="{DA84759F-8D3F-D448-9140-2C5821632D32}"/>
+                </a:ext>
+              </a:extLst>
+            </p:cNvPr>
+            <p:cNvSpPr/>
+            <p:nvPr/>
+          </p:nvSpPr>
+          <p:spPr>
+            <a:xfrm>
+              <a:off x="8798560" y="1981200"/>
+              <a:ext cx="731520" cy="731520"/>
+            </a:xfrm>
+            <a:prstGeom prst="rect">
+              <a:avLst/>
+            </a:prstGeom>
+            <a:solidFill>
+              <a:schemeClr val="tx1">
+                <a:lumMod val="65000"/>
+              </a:schemeClr>
+            </a:solidFill>
+            <a:ln w="38100">
+              <a:solidFill>
+                <a:schemeClr val="tx1"/>
+              </a:solidFill>
+            </a:ln>
+          </p:spPr>
+          <p:style>
+            <a:lnRef idx="2">
+              <a:schemeClr val="accent1">
+                <a:shade val="50000"/>
+              </a:schemeClr>
+            </a:lnRef>
+            <a:fillRef idx="1">
+              <a:schemeClr val="accent1"/>
+            </a:fillRef>
+            <a:effectRef idx="0">
+              <a:schemeClr val="accent1"/>
+            </a:effectRef>
+            <a:fontRef idx="minor">
+              <a:schemeClr val="lt1"/>
+            </a:fontRef>
+          </p:style>
+          <p:txBody>
+            <a:bodyPr rtlCol="0" anchor="ctr"/>
+            <a:lstStyle/>
+            <a:p>
+              <a:pPr algn="ctr"/>
+              <a:endParaRPr lang="en-US"/>
+            </a:p>
+          </p:txBody>
+        </p:sp>
+        <p:sp>
+          <p:nvSpPr>
+            <p:cNvPr id="103" name="Rectangle 102">
+              <a:extLst>
+                <a:ext uri="{FF2B5EF4-FFF2-40B4-BE49-F238E27FC236}">
+                  <a16:creationId xmlns:a16="http://schemas.microsoft.com/office/drawing/2014/main" id="{BDADF415-E1D6-C74F-AACF-BD9E6BC5E86F}"/>
+                </a:ext>
+              </a:extLst>
+            </p:cNvPr>
+            <p:cNvSpPr/>
+            <p:nvPr/>
+          </p:nvSpPr>
+          <p:spPr>
+            <a:xfrm>
+              <a:off x="9530080" y="1981200"/>
+              <a:ext cx="731520" cy="731520"/>
+            </a:xfrm>
+            <a:prstGeom prst="rect">
+              <a:avLst/>
+            </a:prstGeom>
+            <a:solidFill>
+              <a:schemeClr val="bg1">
+                <a:lumMod val="65000"/>
+                <a:lumOff val="35000"/>
+              </a:schemeClr>
+            </a:solidFill>
+            <a:ln w="38100">
+              <a:solidFill>
+                <a:schemeClr val="tx1"/>
+              </a:solidFill>
+            </a:ln>
+          </p:spPr>
+          <p:style>
+            <a:lnRef idx="2">
+              <a:schemeClr val="accent1">
+                <a:shade val="50000"/>
+              </a:schemeClr>
+            </a:lnRef>
+            <a:fillRef idx="1">
+              <a:schemeClr val="accent1"/>
+            </a:fillRef>
+            <a:effectRef idx="0">
+              <a:schemeClr val="accent1"/>
+            </a:effectRef>
+            <a:fontRef idx="minor">
+              <a:schemeClr val="lt1"/>
+            </a:fontRef>
+          </p:style>
+          <p:txBody>
+            <a:bodyPr rtlCol="0" anchor="ctr"/>
+            <a:lstStyle/>
+            <a:p>
+              <a:pPr algn="ctr"/>
+              <a:endParaRPr lang="en-US"/>
+            </a:p>
+          </p:txBody>
+        </p:sp>
+        <p:sp>
+          <p:nvSpPr>
+            <p:cNvPr id="104" name="Rectangle 103">
+              <a:extLst>
+                <a:ext uri="{FF2B5EF4-FFF2-40B4-BE49-F238E27FC236}">
+                  <a16:creationId xmlns:a16="http://schemas.microsoft.com/office/drawing/2014/main" id="{70A99150-DBE3-554A-A9C7-0720A80602B8}"/>
+                </a:ext>
+              </a:extLst>
+            </p:cNvPr>
+            <p:cNvSpPr/>
+            <p:nvPr/>
+          </p:nvSpPr>
+          <p:spPr>
+            <a:xfrm>
+              <a:off x="8067040" y="2712720"/>
+              <a:ext cx="731520" cy="731520"/>
+            </a:xfrm>
+            <a:prstGeom prst="rect">
+              <a:avLst/>
+            </a:prstGeom>
+            <a:solidFill>
+              <a:schemeClr val="tx1"/>
+            </a:solidFill>
+            <a:ln w="38100">
+              <a:solidFill>
+                <a:schemeClr val="tx1"/>
+              </a:solidFill>
+            </a:ln>
+          </p:spPr>
+          <p:style>
+            <a:lnRef idx="2">
+              <a:schemeClr val="accent1">
+                <a:shade val="50000"/>
+              </a:schemeClr>
+            </a:lnRef>
+            <a:fillRef idx="1">
+              <a:schemeClr val="accent1"/>
+            </a:fillRef>
+            <a:effectRef idx="0">
+              <a:schemeClr val="accent1"/>
+            </a:effectRef>
+            <a:fontRef idx="minor">
+              <a:schemeClr val="lt1"/>
+            </a:fontRef>
+          </p:style>
+          <p:txBody>
+            <a:bodyPr rtlCol="0" anchor="ctr"/>
+            <a:lstStyle/>
+            <a:p>
+              <a:pPr algn="ctr"/>
+              <a:endParaRPr lang="en-US"/>
+            </a:p>
+          </p:txBody>
+        </p:sp>
+        <p:sp>
+          <p:nvSpPr>
+            <p:cNvPr id="105" name="Rectangle 104">
+              <a:extLst>
+                <a:ext uri="{FF2B5EF4-FFF2-40B4-BE49-F238E27FC236}">
+                  <a16:creationId xmlns:a16="http://schemas.microsoft.com/office/drawing/2014/main" id="{B6A7F44E-D0C6-3B4D-953A-C4F860F6C82B}"/>
+                </a:ext>
+              </a:extLst>
+            </p:cNvPr>
+            <p:cNvSpPr/>
+            <p:nvPr/>
+          </p:nvSpPr>
+          <p:spPr>
+            <a:xfrm>
+              <a:off x="8798560" y="2712720"/>
+              <a:ext cx="731520" cy="731520"/>
+            </a:xfrm>
+            <a:prstGeom prst="rect">
+              <a:avLst/>
+            </a:prstGeom>
+            <a:solidFill>
+              <a:schemeClr val="tx1">
+                <a:lumMod val="75000"/>
+              </a:schemeClr>
+            </a:solidFill>
+            <a:ln w="38100">
+              <a:solidFill>
+                <a:schemeClr val="tx1"/>
+              </a:solidFill>
+            </a:ln>
+          </p:spPr>
+          <p:style>
+            <a:lnRef idx="2">
+              <a:schemeClr val="accent1">
+                <a:shade val="50000"/>
+              </a:schemeClr>
+            </a:lnRef>
+            <a:fillRef idx="1">
+              <a:schemeClr val="accent1"/>
+            </a:fillRef>
+            <a:effectRef idx="0">
+              <a:schemeClr val="accent1"/>
+            </a:effectRef>
+            <a:fontRef idx="minor">
+              <a:schemeClr val="lt1"/>
+            </a:fontRef>
+          </p:style>
+          <p:txBody>
+            <a:bodyPr rtlCol="0" anchor="ctr"/>
+            <a:lstStyle/>
+            <a:p>
+              <a:pPr algn="ctr"/>
+              <a:endParaRPr lang="en-US"/>
+            </a:p>
+          </p:txBody>
+        </p:sp>
+        <p:sp>
+          <p:nvSpPr>
+            <p:cNvPr id="106" name="Rectangle 105">
+              <a:extLst>
+                <a:ext uri="{FF2B5EF4-FFF2-40B4-BE49-F238E27FC236}">
+                  <a16:creationId xmlns:a16="http://schemas.microsoft.com/office/drawing/2014/main" id="{E820B652-EDE2-C449-AA25-4DE826C8E0A3}"/>
+                </a:ext>
+              </a:extLst>
+            </p:cNvPr>
+            <p:cNvSpPr/>
+            <p:nvPr/>
+          </p:nvSpPr>
+          <p:spPr>
+            <a:xfrm>
+              <a:off x="9530080" y="2712720"/>
+              <a:ext cx="731520" cy="731520"/>
+            </a:xfrm>
+            <a:prstGeom prst="rect">
+              <a:avLst/>
+            </a:prstGeom>
+            <a:solidFill>
+              <a:schemeClr val="tx1">
+                <a:lumMod val="65000"/>
+              </a:schemeClr>
+            </a:solidFill>
+            <a:ln w="38100">
+              <a:solidFill>
+                <a:schemeClr val="tx1"/>
+              </a:solidFill>
+            </a:ln>
+          </p:spPr>
+          <p:style>
+            <a:lnRef idx="2">
+              <a:schemeClr val="accent1">
+                <a:shade val="50000"/>
+              </a:schemeClr>
+            </a:lnRef>
+            <a:fillRef idx="1">
+              <a:schemeClr val="accent1"/>
+            </a:fillRef>
+            <a:effectRef idx="0">
+              <a:schemeClr val="accent1"/>
+            </a:effectRef>
+            <a:fontRef idx="minor">
+              <a:schemeClr val="lt1"/>
+            </a:fontRef>
+          </p:style>
+          <p:txBody>
+            <a:bodyPr rtlCol="0" anchor="ctr"/>
+            <a:lstStyle/>
+            <a:p>
+              <a:pPr algn="ctr"/>
+              <a:endParaRPr lang="en-US"/>
+            </a:p>
+          </p:txBody>
+        </p:sp>
+        <p:sp>
+          <p:nvSpPr>
+            <p:cNvPr id="107" name="Rectangle 106">
+              <a:extLst>
+                <a:ext uri="{FF2B5EF4-FFF2-40B4-BE49-F238E27FC236}">
+                  <a16:creationId xmlns:a16="http://schemas.microsoft.com/office/drawing/2014/main" id="{AFA89EF4-F1C2-7544-868D-09F9EF333409}"/>
+                </a:ext>
+              </a:extLst>
+            </p:cNvPr>
+            <p:cNvSpPr/>
+            <p:nvPr/>
+          </p:nvSpPr>
+          <p:spPr>
+            <a:xfrm>
+              <a:off x="8064500" y="3444240"/>
+              <a:ext cx="731520" cy="731520"/>
+            </a:xfrm>
+            <a:prstGeom prst="rect">
+              <a:avLst/>
+            </a:prstGeom>
+            <a:solidFill>
+              <a:schemeClr val="tx1">
+                <a:lumMod val="95000"/>
+              </a:schemeClr>
+            </a:solidFill>
+            <a:ln w="38100">
+              <a:solidFill>
+                <a:schemeClr val="tx1"/>
+              </a:solidFill>
+            </a:ln>
+          </p:spPr>
+          <p:style>
+            <a:lnRef idx="2">
+              <a:schemeClr val="accent1">
+                <a:shade val="50000"/>
+              </a:schemeClr>
+            </a:lnRef>
+            <a:fillRef idx="1">
+              <a:schemeClr val="accent1"/>
+            </a:fillRef>
+            <a:effectRef idx="0">
+              <a:schemeClr val="accent1"/>
+            </a:effectRef>
+            <a:fontRef idx="minor">
+              <a:schemeClr val="lt1"/>
+            </a:fontRef>
+          </p:style>
+          <p:txBody>
+            <a:bodyPr rtlCol="0" anchor="ctr"/>
+            <a:lstStyle/>
+            <a:p>
+              <a:pPr algn="ctr"/>
+              <a:endParaRPr lang="en-US"/>
+            </a:p>
+          </p:txBody>
+        </p:sp>
+        <p:sp>
+          <p:nvSpPr>
+            <p:cNvPr id="108" name="Rectangle 107">
+              <a:extLst>
+                <a:ext uri="{FF2B5EF4-FFF2-40B4-BE49-F238E27FC236}">
+                  <a16:creationId xmlns:a16="http://schemas.microsoft.com/office/drawing/2014/main" id="{1741DF5B-52AE-D74D-9CD4-460ED04254DC}"/>
+                </a:ext>
+              </a:extLst>
+            </p:cNvPr>
+            <p:cNvSpPr/>
+            <p:nvPr/>
+          </p:nvSpPr>
+          <p:spPr>
+            <a:xfrm>
+              <a:off x="8796020" y="3444240"/>
+              <a:ext cx="731520" cy="731520"/>
+            </a:xfrm>
+            <a:prstGeom prst="rect">
+              <a:avLst/>
+            </a:prstGeom>
+            <a:solidFill>
+              <a:schemeClr val="tx1">
+                <a:lumMod val="85000"/>
+              </a:schemeClr>
+            </a:solidFill>
+            <a:ln w="38100">
+              <a:solidFill>
+                <a:schemeClr val="tx1"/>
+              </a:solidFill>
+            </a:ln>
+          </p:spPr>
+          <p:style>
+            <a:lnRef idx="2">
+              <a:schemeClr val="accent1">
+                <a:shade val="50000"/>
+              </a:schemeClr>
+            </a:lnRef>
+            <a:fillRef idx="1">
+              <a:schemeClr val="accent1"/>
+            </a:fillRef>
+            <a:effectRef idx="0">
+              <a:schemeClr val="accent1"/>
+            </a:effectRef>
+            <a:fontRef idx="minor">
+              <a:schemeClr val="lt1"/>
+            </a:fontRef>
+          </p:style>
+          <p:txBody>
+            <a:bodyPr rtlCol="0" anchor="ctr"/>
+            <a:lstStyle/>
+            <a:p>
+              <a:pPr algn="ctr"/>
+              <a:endParaRPr lang="en-US"/>
+            </a:p>
+          </p:txBody>
+        </p:sp>
+        <p:sp>
+          <p:nvSpPr>
+            <p:cNvPr id="109" name="Rectangle 108">
+              <a:extLst>
+                <a:ext uri="{FF2B5EF4-FFF2-40B4-BE49-F238E27FC236}">
+                  <a16:creationId xmlns:a16="http://schemas.microsoft.com/office/drawing/2014/main" id="{69E80EE5-C355-9449-B4A6-82B9EDF02A12}"/>
+                </a:ext>
+              </a:extLst>
+            </p:cNvPr>
+            <p:cNvSpPr/>
+            <p:nvPr/>
+          </p:nvSpPr>
+          <p:spPr>
+            <a:xfrm>
+              <a:off x="9527540" y="3444240"/>
+              <a:ext cx="731520" cy="731520"/>
+            </a:xfrm>
+            <a:prstGeom prst="rect">
+              <a:avLst/>
+            </a:prstGeom>
+            <a:solidFill>
+              <a:schemeClr val="tx1">
+                <a:lumMod val="50000"/>
+              </a:schemeClr>
+            </a:solidFill>
+            <a:ln w="38100">
+              <a:solidFill>
+                <a:schemeClr val="tx1"/>
+              </a:solidFill>
+            </a:ln>
+          </p:spPr>
+          <p:style>
+            <a:lnRef idx="2">
+              <a:schemeClr val="accent1">
+                <a:shade val="50000"/>
+              </a:schemeClr>
+            </a:lnRef>
+            <a:fillRef idx="1">
+              <a:schemeClr val="accent1"/>
+            </a:fillRef>
+            <a:effectRef idx="0">
+              <a:schemeClr val="accent1"/>
+            </a:effectRef>
+            <a:fontRef idx="minor">
+              <a:schemeClr val="lt1"/>
+            </a:fontRef>
+          </p:style>
+          <p:txBody>
+            <a:bodyPr rtlCol="0" anchor="ctr"/>
+            <a:lstStyle/>
+            <a:p>
+              <a:pPr algn="ctr"/>
+              <a:endParaRPr lang="en-US"/>
+            </a:p>
+          </p:txBody>
+        </p:sp>
+      </p:grpSp>
+      <p:sp>
+        <p:nvSpPr>
+          <p:cNvPr id="110" name="TextBox 109">
+            <a:extLst>
+              <a:ext uri="{FF2B5EF4-FFF2-40B4-BE49-F238E27FC236}">
+                <a16:creationId xmlns:a16="http://schemas.microsoft.com/office/drawing/2014/main" id="{245C5200-3A2C-7E4D-8A55-8445C137D804}"/>
+              </a:ext>
+            </a:extLst>
+          </p:cNvPr>
+          <p:cNvSpPr txBox="1"/>
+          <p:nvPr/>
+        </p:nvSpPr>
+        <p:spPr>
+          <a:xfrm>
+            <a:off x="8150860" y="4470400"/>
+            <a:ext cx="2354580" cy="1754326"/>
+          </a:xfrm>
+          <a:prstGeom prst="rect">
+            <a:avLst/>
+          </a:prstGeom>
+          <a:noFill/>
+        </p:spPr>
+        <p:txBody>
+          <a:bodyPr wrap="square" rtlCol="0">
+            <a:spAutoFit/>
+          </a:bodyPr>
+          <a:lstStyle/>
+          <a:p>
+            <a:r>
+              <a:rPr lang="en-US" sz="3600" dirty="0"/>
+              <a:t>3x3 pixels</a:t>
+            </a:r>
+          </a:p>
+          <a:p>
+            <a:r>
+              <a:rPr lang="en-US" sz="3600" dirty="0"/>
+              <a:t>zoomed-in</a:t>
+            </a:r>
+          </a:p>
+          <a:p>
+            <a:endParaRPr lang="en-US" sz="3600" dirty="0"/>
+          </a:p>
+        </p:txBody>
+      </p:sp>
+      <p:sp>
+        <p:nvSpPr>
+          <p:cNvPr id="111" name="TextBox 110">
+            <a:extLst>
+              <a:ext uri="{FF2B5EF4-FFF2-40B4-BE49-F238E27FC236}">
+                <a16:creationId xmlns:a16="http://schemas.microsoft.com/office/drawing/2014/main" id="{5A7C21DA-63CA-8749-97B7-8BAD367977C3}"/>
+              </a:ext>
+            </a:extLst>
+          </p:cNvPr>
+          <p:cNvSpPr txBox="1"/>
+          <p:nvPr/>
+        </p:nvSpPr>
+        <p:spPr>
+          <a:xfrm>
+            <a:off x="967740" y="5191760"/>
+            <a:ext cx="3421380" cy="1754326"/>
+          </a:xfrm>
+          <a:prstGeom prst="rect">
+            <a:avLst/>
+          </a:prstGeom>
+          <a:noFill/>
+        </p:spPr>
+        <p:txBody>
+          <a:bodyPr wrap="square" rtlCol="0">
+            <a:spAutoFit/>
+          </a:bodyPr>
+          <a:lstStyle/>
+          <a:p>
+            <a:r>
+              <a:rPr lang="en-US" sz="3600" dirty="0"/>
+              <a:t>150x200 pixels</a:t>
+            </a:r>
+          </a:p>
+          <a:p>
+            <a:r>
+              <a:rPr lang="en-US" sz="3600" dirty="0"/>
+              <a:t>image</a:t>
+            </a:r>
+          </a:p>
+          <a:p>
+            <a:endParaRPr lang="en-US" sz="3600" dirty="0"/>
+          </a:p>
+        </p:txBody>
+      </p:sp>
+      <p:sp>
+        <p:nvSpPr>
+          <p:cNvPr id="5" name="TextBox 4">
+            <a:extLst>
+              <a:ext uri="{FF2B5EF4-FFF2-40B4-BE49-F238E27FC236}">
+                <a16:creationId xmlns:a16="http://schemas.microsoft.com/office/drawing/2014/main" id="{58A20F00-BF6F-FF4F-8B64-27625FB0EB1A}"/>
+              </a:ext>
+            </a:extLst>
+          </p:cNvPr>
+          <p:cNvSpPr txBox="1"/>
+          <p:nvPr/>
+        </p:nvSpPr>
+        <p:spPr>
+          <a:xfrm>
+            <a:off x="9654317" y="2128646"/>
+            <a:ext cx="550151" cy="523220"/>
+          </a:xfrm>
+          <a:prstGeom prst="rect">
+            <a:avLst/>
+          </a:prstGeom>
+          <a:noFill/>
+        </p:spPr>
+        <p:txBody>
+          <a:bodyPr wrap="none" rtlCol="0">
+            <a:spAutoFit/>
+          </a:bodyPr>
+          <a:lstStyle/>
+          <a:p>
+            <a:r>
+              <a:rPr lang="en-US" sz="2800" dirty="0">
+                <a:solidFill>
+                  <a:schemeClr val="bg1"/>
+                </a:solidFill>
+              </a:rPr>
+              <a:t>77</a:t>
+            </a:r>
+            <a:endParaRPr lang="en-US" sz="3200" dirty="0">
+              <a:solidFill>
+                <a:schemeClr val="bg1"/>
+              </a:solidFill>
+            </a:endParaRPr>
+          </a:p>
+        </p:txBody>
+      </p:sp>
+      <p:sp>
+        <p:nvSpPr>
+          <p:cNvPr id="22" name="TextBox 21">
+            <a:extLst>
+              <a:ext uri="{FF2B5EF4-FFF2-40B4-BE49-F238E27FC236}">
+                <a16:creationId xmlns:a16="http://schemas.microsoft.com/office/drawing/2014/main" id="{C426C2A3-AFC2-A542-B7B6-CFE6AF2CCEC1}"/>
+              </a:ext>
+            </a:extLst>
+          </p:cNvPr>
+          <p:cNvSpPr txBox="1"/>
+          <p:nvPr/>
+        </p:nvSpPr>
+        <p:spPr>
+          <a:xfrm>
+            <a:off x="9546419" y="2860166"/>
+            <a:ext cx="732893" cy="523220"/>
+          </a:xfrm>
+          <a:prstGeom prst="rect">
+            <a:avLst/>
+          </a:prstGeom>
+          <a:noFill/>
+        </p:spPr>
+        <p:txBody>
+          <a:bodyPr wrap="none" rtlCol="0">
+            <a:spAutoFit/>
+          </a:bodyPr>
+          <a:lstStyle/>
+          <a:p>
+            <a:r>
+              <a:rPr lang="en-US" sz="2800" dirty="0">
+                <a:solidFill>
+                  <a:schemeClr val="bg1"/>
+                </a:solidFill>
+              </a:rPr>
+              <a:t>136</a:t>
+            </a:r>
+            <a:endParaRPr lang="en-US" sz="3200" dirty="0">
+              <a:solidFill>
+                <a:schemeClr val="bg1"/>
+              </a:solidFill>
+            </a:endParaRPr>
+          </a:p>
+        </p:txBody>
+      </p:sp>
+      <p:sp>
+        <p:nvSpPr>
+          <p:cNvPr id="23" name="TextBox 22">
+            <a:extLst>
+              <a:ext uri="{FF2B5EF4-FFF2-40B4-BE49-F238E27FC236}">
+                <a16:creationId xmlns:a16="http://schemas.microsoft.com/office/drawing/2014/main" id="{5C6531C5-5B35-9F4C-9AB2-C2B3730E7E05}"/>
+              </a:ext>
+            </a:extLst>
+          </p:cNvPr>
+          <p:cNvSpPr txBox="1"/>
+          <p:nvPr/>
+        </p:nvSpPr>
+        <p:spPr>
+          <a:xfrm>
+            <a:off x="8075251" y="2860166"/>
+            <a:ext cx="732893" cy="523220"/>
+          </a:xfrm>
+          <a:prstGeom prst="rect">
+            <a:avLst/>
+          </a:prstGeom>
+          <a:noFill/>
+        </p:spPr>
+        <p:txBody>
+          <a:bodyPr wrap="none" rtlCol="0">
+            <a:spAutoFit/>
+          </a:bodyPr>
+          <a:lstStyle/>
+          <a:p>
+            <a:r>
+              <a:rPr lang="en-US" sz="2800" dirty="0">
+                <a:solidFill>
+                  <a:schemeClr val="bg1"/>
+                </a:solidFill>
+              </a:rPr>
+              <a:t>255</a:t>
+            </a:r>
+            <a:endParaRPr lang="en-US" sz="3200" dirty="0">
+              <a:solidFill>
+                <a:schemeClr val="bg1"/>
+              </a:solidFill>
+            </a:endParaRPr>
+          </a:p>
+        </p:txBody>
+      </p:sp>
+      <p:sp>
+        <p:nvSpPr>
+          <p:cNvPr id="24" name="TextBox 23">
+            <a:extLst>
+              <a:ext uri="{FF2B5EF4-FFF2-40B4-BE49-F238E27FC236}">
+                <a16:creationId xmlns:a16="http://schemas.microsoft.com/office/drawing/2014/main" id="{E40D8D62-9C66-F547-9BCB-7C993C54D517}"/>
+              </a:ext>
+            </a:extLst>
+          </p:cNvPr>
+          <p:cNvSpPr txBox="1"/>
+          <p:nvPr/>
+        </p:nvSpPr>
+        <p:spPr>
+          <a:xfrm>
+            <a:off x="8922797" y="2118181"/>
+            <a:ext cx="550151" cy="523220"/>
+          </a:xfrm>
+          <a:prstGeom prst="rect">
+            <a:avLst/>
+          </a:prstGeom>
+          <a:noFill/>
+        </p:spPr>
+        <p:txBody>
+          <a:bodyPr wrap="none" rtlCol="0">
+            <a:spAutoFit/>
+          </a:bodyPr>
+          <a:lstStyle/>
+          <a:p>
+            <a:r>
+              <a:rPr lang="en-US" sz="2800" dirty="0">
+                <a:solidFill>
+                  <a:schemeClr val="bg1"/>
+                </a:solidFill>
+              </a:rPr>
+              <a:t>89</a:t>
+            </a:r>
+            <a:endParaRPr lang="en-US" sz="3200" dirty="0">
+              <a:solidFill>
+                <a:schemeClr val="bg1"/>
+              </a:solidFill>
+            </a:endParaRPr>
+          </a:p>
+        </p:txBody>
+      </p:sp>
+      <p:sp>
+        <p:nvSpPr>
+          <p:cNvPr id="25" name="TextBox 24">
+            <a:extLst>
+              <a:ext uri="{FF2B5EF4-FFF2-40B4-BE49-F238E27FC236}">
+                <a16:creationId xmlns:a16="http://schemas.microsoft.com/office/drawing/2014/main" id="{2AC4CA8D-C0C4-9F4B-B26D-3FE85DF73109}"/>
+              </a:ext>
+            </a:extLst>
+          </p:cNvPr>
+          <p:cNvSpPr txBox="1"/>
+          <p:nvPr/>
+        </p:nvSpPr>
+        <p:spPr>
+          <a:xfrm>
+            <a:off x="9653598" y="3563559"/>
+            <a:ext cx="550151" cy="523220"/>
+          </a:xfrm>
+          <a:prstGeom prst="rect">
+            <a:avLst/>
+          </a:prstGeom>
+          <a:noFill/>
+        </p:spPr>
+        <p:txBody>
+          <a:bodyPr wrap="none" rtlCol="0">
+            <a:spAutoFit/>
+          </a:bodyPr>
+          <a:lstStyle/>
+          <a:p>
+            <a:r>
+              <a:rPr lang="en-US" sz="2800" dirty="0">
+                <a:solidFill>
+                  <a:schemeClr val="bg1"/>
+                </a:solidFill>
+              </a:rPr>
+              <a:t>89</a:t>
+            </a:r>
+            <a:endParaRPr lang="en-US" sz="3200" dirty="0">
+              <a:solidFill>
+                <a:schemeClr val="bg1"/>
+              </a:solidFill>
+            </a:endParaRPr>
+          </a:p>
+        </p:txBody>
+      </p:sp>
+      <p:sp>
+        <p:nvSpPr>
+          <p:cNvPr id="26" name="TextBox 25">
+            <a:extLst>
+              <a:ext uri="{FF2B5EF4-FFF2-40B4-BE49-F238E27FC236}">
+                <a16:creationId xmlns:a16="http://schemas.microsoft.com/office/drawing/2014/main" id="{39B6F416-15C2-0E4F-BE16-75BFE77869F6}"/>
+              </a:ext>
+            </a:extLst>
+          </p:cNvPr>
+          <p:cNvSpPr txBox="1"/>
+          <p:nvPr/>
+        </p:nvSpPr>
+        <p:spPr>
+          <a:xfrm>
+            <a:off x="8802666" y="2860166"/>
+            <a:ext cx="732893" cy="523220"/>
+          </a:xfrm>
+          <a:prstGeom prst="rect">
+            <a:avLst/>
+          </a:prstGeom>
+          <a:noFill/>
+        </p:spPr>
+        <p:txBody>
+          <a:bodyPr wrap="none" rtlCol="0">
+            <a:spAutoFit/>
+          </a:bodyPr>
+          <a:lstStyle/>
+          <a:p>
+            <a:r>
+              <a:rPr lang="en-US" sz="2800" dirty="0">
+                <a:solidFill>
+                  <a:schemeClr val="bg1"/>
+                </a:solidFill>
+              </a:rPr>
+              <a:t>177</a:t>
+            </a:r>
+            <a:endParaRPr lang="en-US" sz="3200" dirty="0">
+              <a:solidFill>
+                <a:schemeClr val="bg1"/>
+              </a:solidFill>
+            </a:endParaRPr>
+          </a:p>
+        </p:txBody>
+      </p:sp>
+      <p:sp>
+        <p:nvSpPr>
+          <p:cNvPr id="27" name="TextBox 26">
+            <a:extLst>
+              <a:ext uri="{FF2B5EF4-FFF2-40B4-BE49-F238E27FC236}">
+                <a16:creationId xmlns:a16="http://schemas.microsoft.com/office/drawing/2014/main" id="{493A6CC0-1185-C34D-9981-C932E6FD97FB}"/>
+              </a:ext>
+            </a:extLst>
+          </p:cNvPr>
+          <p:cNvSpPr txBox="1"/>
+          <p:nvPr/>
+        </p:nvSpPr>
+        <p:spPr>
+          <a:xfrm>
+            <a:off x="8802665" y="3563559"/>
+            <a:ext cx="732893" cy="523220"/>
+          </a:xfrm>
+          <a:prstGeom prst="rect">
+            <a:avLst/>
+          </a:prstGeom>
+          <a:noFill/>
+        </p:spPr>
+        <p:txBody>
+          <a:bodyPr wrap="none" rtlCol="0">
+            <a:spAutoFit/>
+          </a:bodyPr>
+          <a:lstStyle/>
+          <a:p>
+            <a:r>
+              <a:rPr lang="en-US" sz="2800" dirty="0">
+                <a:solidFill>
+                  <a:schemeClr val="bg1"/>
+                </a:solidFill>
+              </a:rPr>
+              <a:t>211</a:t>
+            </a:r>
+            <a:endParaRPr lang="en-US" sz="3200" dirty="0">
+              <a:solidFill>
+                <a:schemeClr val="bg1"/>
+              </a:solidFill>
+            </a:endParaRPr>
+          </a:p>
+        </p:txBody>
+      </p:sp>
+      <p:sp>
+        <p:nvSpPr>
+          <p:cNvPr id="28" name="TextBox 27">
+            <a:extLst>
+              <a:ext uri="{FF2B5EF4-FFF2-40B4-BE49-F238E27FC236}">
+                <a16:creationId xmlns:a16="http://schemas.microsoft.com/office/drawing/2014/main" id="{298EA2B6-9B38-3646-9B2D-A9C94D241234}"/>
+              </a:ext>
+            </a:extLst>
+          </p:cNvPr>
+          <p:cNvSpPr txBox="1"/>
+          <p:nvPr/>
+        </p:nvSpPr>
+        <p:spPr>
+          <a:xfrm>
+            <a:off x="8094233" y="2118181"/>
+            <a:ext cx="732893" cy="523220"/>
+          </a:xfrm>
+          <a:prstGeom prst="rect">
+            <a:avLst/>
+          </a:prstGeom>
+          <a:noFill/>
+        </p:spPr>
+        <p:txBody>
+          <a:bodyPr wrap="none" rtlCol="0">
+            <a:spAutoFit/>
+          </a:bodyPr>
+          <a:lstStyle/>
+          <a:p>
+            <a:r>
+              <a:rPr lang="en-US" sz="2800" dirty="0">
+                <a:solidFill>
+                  <a:schemeClr val="bg1"/>
+                </a:solidFill>
+              </a:rPr>
+              <a:t>213</a:t>
+            </a:r>
+            <a:endParaRPr lang="en-US" sz="3200" dirty="0">
+              <a:solidFill>
+                <a:schemeClr val="bg1"/>
+              </a:solidFill>
+            </a:endParaRPr>
+          </a:p>
+        </p:txBody>
+      </p:sp>
+      <p:sp>
+        <p:nvSpPr>
+          <p:cNvPr id="29" name="TextBox 28">
+            <a:extLst>
+              <a:ext uri="{FF2B5EF4-FFF2-40B4-BE49-F238E27FC236}">
+                <a16:creationId xmlns:a16="http://schemas.microsoft.com/office/drawing/2014/main" id="{7B303EDE-1D52-1C40-9667-D912361DDF23}"/>
+              </a:ext>
+            </a:extLst>
+          </p:cNvPr>
+          <p:cNvSpPr txBox="1"/>
+          <p:nvPr/>
+        </p:nvSpPr>
+        <p:spPr>
+          <a:xfrm>
+            <a:off x="8063486" y="3556306"/>
+            <a:ext cx="732893" cy="523220"/>
+          </a:xfrm>
+          <a:prstGeom prst="rect">
+            <a:avLst/>
+          </a:prstGeom>
+          <a:noFill/>
+        </p:spPr>
+        <p:txBody>
+          <a:bodyPr wrap="none" rtlCol="0">
+            <a:spAutoFit/>
+          </a:bodyPr>
+          <a:lstStyle/>
+          <a:p>
+            <a:r>
+              <a:rPr lang="en-US" sz="2800" dirty="0">
+                <a:solidFill>
+                  <a:schemeClr val="bg1"/>
+                </a:solidFill>
+              </a:rPr>
+              <a:t>232</a:t>
+            </a:r>
+            <a:endParaRPr lang="en-US" sz="3200" dirty="0">
+              <a:solidFill>
+                <a:schemeClr val="bg1"/>
+              </a:solidFill>
+            </a:endParaRPr>
+          </a:p>
+        </p:txBody>
+      </p:sp>
+    </p:spTree>
+    <p:extLst>
+      <p:ext uri="{BB962C8B-B14F-4D97-AF65-F5344CB8AC3E}">
+        <p14:creationId xmlns:p14="http://schemas.microsoft.com/office/powerpoint/2010/main" val="627335607"/>
+      </p:ext>
+    </p:extLst>
+  </p:cSld>
+  <p:clrMapOvr>
+    <a:masterClrMapping/>
+  </p:clrMapOvr>
+</p:sld>
+</file>
+
 <file path=ppt/theme/theme1.xml><?xml version="1.0" encoding="utf-8"?>
 <a:theme xmlns:a="http://schemas.openxmlformats.org/drawingml/2006/main" name="Office Theme">
   <a:themeElements>
